--- a/pres-source/00-intro.pptx
+++ b/pres-source/00-intro.pptx
@@ -5,7 +5,7 @@
     <p:sldMasterId id="2147483648" r:id="rId1"/>
   </p:sldMasterIdLst>
   <p:notesMasterIdLst>
-    <p:notesMasterId r:id="rId20"/>
+    <p:notesMasterId r:id="rId19"/>
   </p:notesMasterIdLst>
   <p:sldIdLst>
     <p:sldId id="256" r:id="rId2"/>
@@ -17,15 +17,14 @@
     <p:sldId id="274" r:id="rId8"/>
     <p:sldId id="260" r:id="rId9"/>
     <p:sldId id="261" r:id="rId10"/>
-    <p:sldId id="262" r:id="rId11"/>
-    <p:sldId id="272" r:id="rId12"/>
-    <p:sldId id="271" r:id="rId13"/>
-    <p:sldId id="264" r:id="rId14"/>
-    <p:sldId id="270" r:id="rId15"/>
-    <p:sldId id="265" r:id="rId16"/>
-    <p:sldId id="269" r:id="rId17"/>
-    <p:sldId id="266" r:id="rId18"/>
-    <p:sldId id="267" r:id="rId19"/>
+    <p:sldId id="272" r:id="rId11"/>
+    <p:sldId id="271" r:id="rId12"/>
+    <p:sldId id="264" r:id="rId13"/>
+    <p:sldId id="270" r:id="rId14"/>
+    <p:sldId id="265" r:id="rId15"/>
+    <p:sldId id="269" r:id="rId16"/>
+    <p:sldId id="266" r:id="rId17"/>
+    <p:sldId id="267" r:id="rId18"/>
   </p:sldIdLst>
   <p:sldSz cx="9144000" cy="6858000" type="screen4x3"/>
   <p:notesSz cx="6858000" cy="9144000"/>
@@ -214,7 +213,7 @@
             <a:fld id="{7307762F-A706-E543-A832-3C298AA3103F}" type="datetimeFigureOut">
               <a:rPr lang="en-US" smtClean="0"/>
               <a:pPr/>
-              <a:t>22/08/17</a:t>
+              <a:t>01/12/17</a:t>
             </a:fld>
             <a:endParaRPr lang="en-US" dirty="0"/>
           </a:p>
@@ -781,7 +780,7 @@
           <a:p>
             <a:fld id="{875CF0EB-321F-0749-B37A-89BBA859503C}" type="datetimeFigureOut">
               <a:rPr lang="en-US" smtClean="0"/>
-              <a:t>22/08/17</a:t>
+              <a:t>01/12/17</a:t>
             </a:fld>
             <a:endParaRPr lang="en-US"/>
           </a:p>
@@ -985,7 +984,7 @@
           <a:p>
             <a:fld id="{875CF0EB-321F-0749-B37A-89BBA859503C}" type="datetimeFigureOut">
               <a:rPr lang="en-US" smtClean="0"/>
-              <a:t>22/08/17</a:t>
+              <a:t>01/12/17</a:t>
             </a:fld>
             <a:endParaRPr lang="en-US"/>
           </a:p>
@@ -1179,7 +1178,7 @@
           <a:p>
             <a:fld id="{875CF0EB-321F-0749-B37A-89BBA859503C}" type="datetimeFigureOut">
               <a:rPr lang="en-US" smtClean="0"/>
-              <a:t>22/08/17</a:t>
+              <a:t>01/12/17</a:t>
             </a:fld>
             <a:endParaRPr lang="en-US"/>
           </a:p>
@@ -1449,7 +1448,7 @@
           <a:p>
             <a:fld id="{875CF0EB-321F-0749-B37A-89BBA859503C}" type="datetimeFigureOut">
               <a:rPr lang="en-US" smtClean="0"/>
-              <a:t>22/08/17</a:t>
+              <a:t>01/12/17</a:t>
             </a:fld>
             <a:endParaRPr lang="en-US"/>
           </a:p>
@@ -1761,7 +1760,7 @@
           <a:p>
             <a:fld id="{875CF0EB-321F-0749-B37A-89BBA859503C}" type="datetimeFigureOut">
               <a:rPr lang="en-US" smtClean="0"/>
-              <a:t>22/08/17</a:t>
+              <a:t>01/12/17</a:t>
             </a:fld>
             <a:endParaRPr lang="en-US"/>
           </a:p>
@@ -2207,7 +2206,7 @@
           <a:p>
             <a:fld id="{875CF0EB-321F-0749-B37A-89BBA859503C}" type="datetimeFigureOut">
               <a:rPr lang="en-US" smtClean="0"/>
-              <a:t>22/08/17</a:t>
+              <a:t>01/12/17</a:t>
             </a:fld>
             <a:endParaRPr lang="en-US"/>
           </a:p>
@@ -2349,7 +2348,7 @@
           <a:p>
             <a:fld id="{875CF0EB-321F-0749-B37A-89BBA859503C}" type="datetimeFigureOut">
               <a:rPr lang="en-US" smtClean="0"/>
-              <a:t>22/08/17</a:t>
+              <a:t>01/12/17</a:t>
             </a:fld>
             <a:endParaRPr lang="en-US"/>
           </a:p>
@@ -2468,7 +2467,7 @@
           <a:p>
             <a:fld id="{875CF0EB-321F-0749-B37A-89BBA859503C}" type="datetimeFigureOut">
               <a:rPr lang="en-US" smtClean="0"/>
-              <a:t>22/08/17</a:t>
+              <a:t>01/12/17</a:t>
             </a:fld>
             <a:endParaRPr lang="en-US"/>
           </a:p>
@@ -2769,7 +2768,7 @@
           <a:p>
             <a:fld id="{875CF0EB-321F-0749-B37A-89BBA859503C}" type="datetimeFigureOut">
               <a:rPr lang="en-US" smtClean="0"/>
-              <a:t>22/08/17</a:t>
+              <a:t>01/12/17</a:t>
             </a:fld>
             <a:endParaRPr lang="en-US"/>
           </a:p>
@@ -3046,7 +3045,7 @@
           <a:p>
             <a:fld id="{875CF0EB-321F-0749-B37A-89BBA859503C}" type="datetimeFigureOut">
               <a:rPr lang="en-US" smtClean="0"/>
-              <a:t>22/08/17</a:t>
+              <a:t>01/12/17</a:t>
             </a:fld>
             <a:endParaRPr lang="en-US"/>
           </a:p>
@@ -3817,7 +3816,7 @@
         </p:nvSpPr>
         <p:spPr bwMode="auto">
           <a:xfrm>
-            <a:off x="685800" y="1091444"/>
+            <a:off x="847672" y="1091444"/>
             <a:ext cx="7772400" cy="1470025"/>
           </a:xfrm>
           <a:noFill/>
@@ -3882,7 +3881,7 @@
                 <a:ea typeface="ヒラギノ角ゴ ProN W3" charset="0"/>
                 <a:cs typeface="ヒラギノ角ゴ ProN W3" charset="0"/>
               </a:rPr>
-              <a:t>Cloud Computing and Big Data (CLO)</a:t>
+              <a:t>Big Data Engineering in the Cloud</a:t>
             </a:r>
             <a:endParaRPr lang="en-US" dirty="0">
               <a:ea typeface="ヒラギノ角ゴ ProN W3" charset="0"/>
@@ -3932,41 +3931,17 @@
             <a:prstTxWarp prst="textNoShape">
               <a:avLst/>
             </a:prstTxWarp>
-            <a:normAutofit fontScale="92500" lnSpcReduction="20000"/>
+            <a:normAutofit/>
           </a:bodyPr>
           <a:lstStyle/>
           <a:p>
             <a:pPr eaLnBrk="1" hangingPunct="1"/>
             <a:r>
-              <a:rPr lang="en-US" dirty="0">
-                <a:ea typeface="ヒラギノ角ゴ ProN W3" charset="0"/>
-                <a:cs typeface="ヒラギノ角ゴ ProN W3" charset="0"/>
-              </a:rPr>
-              <a:t>Oxford University </a:t>
-            </a:r>
-          </a:p>
-          <a:p>
-            <a:pPr eaLnBrk="1" hangingPunct="1"/>
-            <a:r>
               <a:rPr lang="en-US" dirty="0" smtClean="0">
                 <a:ea typeface="ヒラギノ角ゴ ProN W3" charset="0"/>
                 <a:cs typeface="ヒラギノ角ゴ ProN W3" charset="0"/>
               </a:rPr>
-              <a:t>Software Engineering Programme</a:t>
-            </a:r>
-            <a:endParaRPr lang="en-US" dirty="0">
-              <a:ea typeface="ヒラギノ角ゴ ProN W3" charset="0"/>
-              <a:cs typeface="ヒラギノ角ゴ ProN W3" charset="0"/>
-            </a:endParaRPr>
-          </a:p>
-          <a:p>
-            <a:pPr eaLnBrk="1" hangingPunct="1"/>
-            <a:r>
-              <a:rPr lang="en-US" dirty="0" smtClean="0">
-                <a:ea typeface="ヒラギノ角ゴ ProN W3" charset="0"/>
-                <a:cs typeface="ヒラギノ角ゴ ProN W3" charset="0"/>
-              </a:rPr>
-              <a:t>Sept 2017</a:t>
+              <a:t>Dec 2017</a:t>
             </a:r>
             <a:endParaRPr lang="en-US" dirty="0">
               <a:ea typeface="ヒラギノ角ゴ ProN W3" charset="0"/>
@@ -4022,302 +3997,6 @@
       </p:grpSpPr>
       <p:sp>
         <p:nvSpPr>
-          <p:cNvPr id="9217" name="Title 1"/>
-          <p:cNvSpPr>
-            <a:spLocks noGrp="1"/>
-          </p:cNvSpPr>
-          <p:nvPr>
-            <p:ph type="title"/>
-          </p:nvPr>
-        </p:nvSpPr>
-        <p:spPr bwMode="auto">
-          <a:noFill/>
-          <a:extLst>
-            <a:ext uri="{909E8E84-426E-40dd-AFC4-6F175D3DCCD1}">
-              <a14:hiddenFill xmlns:a14="http://schemas.microsoft.com/office/drawing/2010/main">
-                <a:solidFill>
-                  <a:srgbClr val="FFFFFF"/>
-                </a:solidFill>
-              </a14:hiddenFill>
-            </a:ext>
-            <a:ext uri="{91240B29-F687-4f45-9708-019B960494DF}">
-              <a14:hiddenLine xmlns:a14="http://schemas.microsoft.com/office/drawing/2010/main" w="9525">
-                <a:solidFill>
-                  <a:srgbClr val="000000"/>
-                </a:solidFill>
-                <a:miter lim="800000"/>
-                <a:headEnd/>
-                <a:tailEnd/>
-              </a14:hiddenLine>
-            </a:ext>
-          </a:extLst>
-        </p:spPr>
-        <p:txBody>
-          <a:bodyPr wrap="square" lIns="64291" tIns="32146" rIns="64291" bIns="32146" numCol="1" anchor="t" anchorCtr="0" compatLnSpc="1">
-            <a:prstTxWarp prst="textNoShape">
-              <a:avLst/>
-            </a:prstTxWarp>
-          </a:bodyPr>
-          <a:lstStyle/>
-          <a:p>
-            <a:pPr eaLnBrk="1" hangingPunct="1"/>
-            <a:r>
-              <a:rPr lang="en-US" dirty="0" smtClean="0">
-                <a:ea typeface="ヒラギノ角ゴ ProN W3" charset="0"/>
-                <a:cs typeface="ヒラギノ角ゴ ProN W3" charset="0"/>
-              </a:rPr>
-              <a:t>Specific Objectives</a:t>
-            </a:r>
-            <a:endParaRPr lang="en-US" dirty="0">
-              <a:ea typeface="ヒラギノ角ゴ ProN W3" charset="0"/>
-              <a:cs typeface="ヒラギノ角ゴ ProN W3" charset="0"/>
-            </a:endParaRPr>
-          </a:p>
-        </p:txBody>
-      </p:sp>
-      <p:sp>
-        <p:nvSpPr>
-          <p:cNvPr id="9218" name="Content Placeholder 2"/>
-          <p:cNvSpPr>
-            <a:spLocks noGrp="1"/>
-          </p:cNvSpPr>
-          <p:nvPr>
-            <p:ph idx="1"/>
-          </p:nvPr>
-        </p:nvSpPr>
-        <p:spPr bwMode="auto">
-          <a:noFill/>
-          <a:extLst>
-            <a:ext uri="{909E8E84-426E-40dd-AFC4-6F175D3DCCD1}">
-              <a14:hiddenFill xmlns:a14="http://schemas.microsoft.com/office/drawing/2010/main">
-                <a:solidFill>
-                  <a:srgbClr val="FFFFFF"/>
-                </a:solidFill>
-              </a14:hiddenFill>
-            </a:ext>
-            <a:ext uri="{91240B29-F687-4f45-9708-019B960494DF}">
-              <a14:hiddenLine xmlns:a14="http://schemas.microsoft.com/office/drawing/2010/main" w="9525">
-                <a:solidFill>
-                  <a:srgbClr val="000000"/>
-                </a:solidFill>
-                <a:miter lim="800000"/>
-                <a:headEnd/>
-                <a:tailEnd/>
-              </a14:hiddenLine>
-            </a:ext>
-          </a:extLst>
-        </p:spPr>
-        <p:txBody>
-          <a:bodyPr wrap="square" lIns="64291" tIns="32146" rIns="64291" bIns="32146" numCol="1" anchor="t" anchorCtr="0" compatLnSpc="1">
-            <a:prstTxWarp prst="textNoShape">
-              <a:avLst/>
-            </a:prstTxWarp>
-            <a:noAutofit/>
-          </a:bodyPr>
-          <a:lstStyle/>
-          <a:p>
-            <a:pPr eaLnBrk="1" hangingPunct="1"/>
-            <a:r>
-              <a:rPr lang="en-US" sz="2000" dirty="0" smtClean="0">
-                <a:ea typeface="ヒラギノ角ゴ ProN W3" charset="0"/>
-                <a:cs typeface="ヒラギノ角ゴ ProN W3" charset="0"/>
-              </a:rPr>
-              <a:t>Understand the principles of cloud computing</a:t>
-            </a:r>
-          </a:p>
-          <a:p>
-            <a:pPr lvl="1"/>
-            <a:r>
-              <a:rPr lang="en-US" sz="1800" dirty="0" smtClean="0">
-                <a:ea typeface="ヒラギノ角ゴ ProN W3" charset="0"/>
-                <a:cs typeface="ヒラギノ角ゴ ProN W3" charset="0"/>
-              </a:rPr>
-              <a:t>Theory of scalability </a:t>
-            </a:r>
-          </a:p>
-          <a:p>
-            <a:pPr lvl="1"/>
-            <a:r>
-              <a:rPr lang="en-US" sz="1800" dirty="0" smtClean="0">
-                <a:ea typeface="ヒラギノ角ゴ ProN W3" charset="0"/>
-                <a:cs typeface="ヒラギノ角ゴ ProN W3" charset="0"/>
-              </a:rPr>
-              <a:t>Including scalability and deployment</a:t>
-            </a:r>
-          </a:p>
-          <a:p>
-            <a:pPr lvl="1"/>
-            <a:r>
-              <a:rPr lang="en-US" sz="1800" dirty="0" err="1" smtClean="0">
-                <a:ea typeface="ヒラギノ角ゴ ProN W3" charset="0"/>
-                <a:cs typeface="ヒラギノ角ゴ ProN W3" charset="0"/>
-              </a:rPr>
-              <a:t>IaaS</a:t>
-            </a:r>
-            <a:r>
-              <a:rPr lang="en-US" sz="1800" dirty="0" smtClean="0">
-                <a:ea typeface="ヒラギノ角ゴ ProN W3" charset="0"/>
-                <a:cs typeface="ヒラギノ角ゴ ProN W3" charset="0"/>
-              </a:rPr>
-              <a:t> frameworks, </a:t>
-            </a:r>
-            <a:r>
-              <a:rPr lang="en-US" sz="1800" dirty="0" err="1" smtClean="0">
-                <a:ea typeface="ヒラギノ角ゴ ProN W3" charset="0"/>
-                <a:cs typeface="ヒラギノ角ゴ ProN W3" charset="0"/>
-              </a:rPr>
-              <a:t>PaaS</a:t>
-            </a:r>
-            <a:r>
-              <a:rPr lang="en-US" sz="1800" dirty="0" smtClean="0">
-                <a:ea typeface="ヒラギノ角ゴ ProN W3" charset="0"/>
-                <a:cs typeface="ヒラギノ角ゴ ProN W3" charset="0"/>
-              </a:rPr>
-              <a:t>, containers</a:t>
-            </a:r>
-          </a:p>
-          <a:p>
-            <a:pPr eaLnBrk="1" hangingPunct="1"/>
-            <a:r>
-              <a:rPr lang="en-US" sz="2000" dirty="0" smtClean="0">
-                <a:ea typeface="ヒラギノ角ゴ ProN W3" charset="0"/>
-                <a:cs typeface="ヒラギノ角ゴ ProN W3" charset="0"/>
-              </a:rPr>
-              <a:t>Understand Big Data approaches, technologies and techniques</a:t>
-            </a:r>
-          </a:p>
-          <a:p>
-            <a:pPr lvl="1"/>
-            <a:r>
-              <a:rPr lang="en-US" sz="1800" dirty="0" smtClean="0">
-                <a:ea typeface="ヒラギノ角ゴ ProN W3" charset="0"/>
-                <a:cs typeface="ヒラギノ角ゴ ProN W3" charset="0"/>
-              </a:rPr>
-              <a:t>Theoretical background and approaches</a:t>
-            </a:r>
-          </a:p>
-          <a:p>
-            <a:pPr lvl="1"/>
-            <a:r>
-              <a:rPr lang="en-US" sz="1800" dirty="0" smtClean="0">
-                <a:ea typeface="ヒラギノ角ゴ ProN W3" charset="0"/>
-                <a:cs typeface="ヒラギノ角ゴ ProN W3" charset="0"/>
-              </a:rPr>
-              <a:t>Including Map Reduce, </a:t>
-            </a:r>
-            <a:r>
-              <a:rPr lang="en-US" sz="1800" dirty="0" err="1" smtClean="0">
-                <a:ea typeface="ヒラギノ角ゴ ProN W3" charset="0"/>
-                <a:cs typeface="ヒラギノ角ゴ ProN W3" charset="0"/>
-              </a:rPr>
-              <a:t>NoSQL</a:t>
-            </a:r>
-            <a:r>
-              <a:rPr lang="en-US" sz="1800" dirty="0" smtClean="0">
-                <a:ea typeface="ヒラギノ角ゴ ProN W3" charset="0"/>
-                <a:cs typeface="ヒラギノ角ゴ ProN W3" charset="0"/>
-              </a:rPr>
-              <a:t>, </a:t>
-            </a:r>
-            <a:r>
-              <a:rPr lang="en-US" sz="1800" dirty="0" err="1" smtClean="0">
-                <a:ea typeface="ヒラギノ角ゴ ProN W3" charset="0"/>
-                <a:cs typeface="ヒラギノ角ゴ ProN W3" charset="0"/>
-              </a:rPr>
-              <a:t>Realtime</a:t>
-            </a:r>
-            <a:endParaRPr lang="en-US" sz="1800" dirty="0" smtClean="0">
-              <a:ea typeface="ヒラギノ角ゴ ProN W3" charset="0"/>
-              <a:cs typeface="ヒラギノ角ゴ ProN W3" charset="0"/>
-            </a:endParaRPr>
-          </a:p>
-          <a:p>
-            <a:r>
-              <a:rPr lang="en-US" sz="2000" dirty="0" smtClean="0">
-                <a:ea typeface="ヒラギノ角ゴ ProN W3" charset="0"/>
-                <a:cs typeface="ヒラギノ角ゴ ProN W3" charset="0"/>
-              </a:rPr>
-              <a:t>Be able to design and implement scalable cloud and big </a:t>
-            </a:r>
-            <a:r>
-              <a:rPr lang="en-US" sz="2000" dirty="0">
-                <a:ea typeface="ヒラギノ角ゴ ProN W3" charset="0"/>
-                <a:cs typeface="ヒラギノ角ゴ ProN W3" charset="0"/>
-              </a:rPr>
-              <a:t>d</a:t>
-            </a:r>
-            <a:r>
-              <a:rPr lang="en-US" sz="2000" dirty="0" smtClean="0">
-                <a:ea typeface="ヒラギノ角ゴ ProN W3" charset="0"/>
-                <a:cs typeface="ヒラギノ角ゴ ProN W3" charset="0"/>
-              </a:rPr>
-              <a:t>ata systems</a:t>
-            </a:r>
-          </a:p>
-          <a:p>
-            <a:r>
-              <a:rPr lang="en-US" sz="2000" dirty="0" smtClean="0">
-                <a:ea typeface="ヒラギノ角ゴ ProN W3" charset="0"/>
-                <a:cs typeface="ヒラギノ角ゴ ProN W3" charset="0"/>
-              </a:rPr>
-              <a:t>Understand and implement effective Open Source systems on Amazon EC2</a:t>
-            </a:r>
-          </a:p>
-          <a:p>
-            <a:endParaRPr lang="en-US" sz="2000" dirty="0">
-              <a:ea typeface="ヒラギノ角ゴ ProN W3" charset="0"/>
-              <a:cs typeface="ヒラギノ角ゴ ProN W3" charset="0"/>
-            </a:endParaRPr>
-          </a:p>
-        </p:txBody>
-      </p:sp>
-    </p:spTree>
-    <p:extLst>
-      <p:ext uri="{BB962C8B-B14F-4D97-AF65-F5344CB8AC3E}">
-        <p14:creationId xmlns:p14="http://schemas.microsoft.com/office/powerpoint/2010/main" val="1239434471"/>
-      </p:ext>
-    </p:extLst>
-  </p:cSld>
-  <p:clrMapOvr>
-    <a:masterClrMapping/>
-  </p:clrMapOvr>
-  <mc:AlternateContent xmlns:mc="http://schemas.openxmlformats.org/markup-compatibility/2006" xmlns:p14="http://schemas.microsoft.com/office/powerpoint/2010/main">
-    <mc:Choice Requires="p14">
-      <p:transition spd="slow" p14:dur="2000"/>
-    </mc:Choice>
-    <mc:Fallback xmlns="">
-      <p:transition xmlns:p14="http://schemas.microsoft.com/office/powerpoint/2010/main" spd="slow"/>
-    </mc:Fallback>
-  </mc:AlternateContent>
-  <p:timing>
-    <p:tnLst>
-      <p:par>
-        <p:cTn xmlns:p14="http://schemas.microsoft.com/office/powerpoint/2010/main" id="1" dur="indefinite" restart="never" nodeType="tmRoot"/>
-      </p:par>
-    </p:tnLst>
-  </p:timing>
-</p:sld>
-</file>
-
-<file path=ppt/slides/slide11.xml><?xml version="1.0" encoding="utf-8"?>
-<p:sld xmlns:a="http://schemas.openxmlformats.org/drawingml/2006/main" xmlns:r="http://schemas.openxmlformats.org/officeDocument/2006/relationships" xmlns:p="http://schemas.openxmlformats.org/presentationml/2006/main">
-  <p:cSld>
-    <p:spTree>
-      <p:nvGrpSpPr>
-        <p:cNvPr id="1" name=""/>
-        <p:cNvGrpSpPr/>
-        <p:nvPr/>
-      </p:nvGrpSpPr>
-      <p:grpSpPr>
-        <a:xfrm>
-          <a:off x="0" y="0"/>
-          <a:ext cx="0" cy="0"/>
-          <a:chOff x="0" y="0"/>
-          <a:chExt cx="0" cy="0"/>
-        </a:xfrm>
-      </p:grpSpPr>
-      <p:sp>
-        <p:nvSpPr>
           <p:cNvPr id="2" name="Title 1"/>
           <p:cNvSpPr>
             <a:spLocks noGrp="1"/>
@@ -4375,7 +4054,7 @@
 </p:sld>
 </file>
 
-<file path=ppt/slides/slide12.xml><?xml version="1.0" encoding="utf-8"?>
+<file path=ppt/slides/slide11.xml><?xml version="1.0" encoding="utf-8"?>
 <p:sld xmlns:a="http://schemas.openxmlformats.org/drawingml/2006/main" xmlns:r="http://schemas.openxmlformats.org/officeDocument/2006/relationships" xmlns:p="http://schemas.openxmlformats.org/presentationml/2006/main">
   <p:cSld>
     <p:spTree>
@@ -4440,20 +4119,15 @@
           <a:p>
             <a:r>
               <a:rPr lang="en-US" dirty="0" smtClean="0"/>
-              <a:t>Implementing a private cloud </a:t>
-            </a:r>
-          </a:p>
-          <a:p>
-            <a:pPr lvl="1"/>
+              <a:t>Understanding </a:t>
+            </a:r>
+            <a:r>
+              <a:rPr lang="en-US" b="1" dirty="0" smtClean="0"/>
+              <a:t>all</a:t>
+            </a:r>
             <a:r>
               <a:rPr lang="en-US" dirty="0" smtClean="0"/>
-              <a:t>Although we will look at technologies for private cloud</a:t>
-            </a:r>
-          </a:p>
-          <a:p>
-            <a:r>
-              <a:rPr lang="en-US" dirty="0" smtClean="0"/>
-              <a:t>Understanding all of </a:t>
+              <a:t> of </a:t>
             </a:r>
             <a:r>
               <a:rPr lang="en-US" dirty="0" err="1" smtClean="0"/>
@@ -4461,42 +4135,16 @@
             </a:r>
             <a:r>
               <a:rPr lang="en-US" dirty="0" smtClean="0"/>
-              <a:t>, Spark, </a:t>
-            </a:r>
-            <a:r>
-              <a:rPr lang="en-US" dirty="0" err="1" smtClean="0"/>
-              <a:t>Kubernetes</a:t>
+              <a:t>, </a:t>
             </a:r>
             <a:r>
               <a:rPr lang="en-US" dirty="0" smtClean="0"/>
-              <a:t>, </a:t>
-            </a:r>
-            <a:r>
-              <a:rPr lang="en-US" dirty="0" err="1" smtClean="0"/>
-              <a:t>Mesos</a:t>
+              <a:t>Spark</a:t>
             </a:r>
             <a:r>
               <a:rPr lang="en-US" dirty="0" smtClean="0"/>
-              <a:t>, </a:t>
-            </a:r>
-            <a:r>
-              <a:rPr lang="en-US" dirty="0" err="1" smtClean="0"/>
-              <a:t>CoreOS</a:t>
-            </a:r>
-            <a:r>
-              <a:rPr lang="en-US" dirty="0" smtClean="0"/>
-              <a:t>, </a:t>
-            </a:r>
-            <a:r>
-              <a:rPr lang="en-US" dirty="0" err="1" smtClean="0"/>
-              <a:t>etc</a:t>
-            </a:r>
-            <a:endParaRPr lang="en-US" dirty="0" smtClean="0"/>
-          </a:p>
-          <a:p>
-            <a:pPr marL="0" indent="0">
-              <a:buNone/>
-            </a:pPr>
+              <a:t>, HDFS, Machine Learning</a:t>
+            </a:r>
             <a:endParaRPr lang="en-US" dirty="0" smtClean="0"/>
           </a:p>
           <a:p>
@@ -4517,7 +4165,7 @@
 </p:sld>
 </file>
 
-<file path=ppt/slides/slide13.xml><?xml version="1.0" encoding="utf-8"?>
+<file path=ppt/slides/slide12.xml><?xml version="1.0" encoding="utf-8"?>
 <p:sld xmlns:a="http://schemas.openxmlformats.org/drawingml/2006/main" xmlns:r="http://schemas.openxmlformats.org/officeDocument/2006/relationships" xmlns:p="http://schemas.openxmlformats.org/presentationml/2006/main">
   <p:cSld>
     <p:spTree>
@@ -4706,7 +4354,7 @@
 </p:sld>
 </file>
 
-<file path=ppt/slides/slide14.xml><?xml version="1.0" encoding="utf-8"?>
+<file path=ppt/slides/slide13.xml><?xml version="1.0" encoding="utf-8"?>
 <p:sld xmlns:a="http://schemas.openxmlformats.org/drawingml/2006/main" xmlns:r="http://schemas.openxmlformats.org/officeDocument/2006/relationships" xmlns:p="http://schemas.openxmlformats.org/presentationml/2006/main">
   <p:cSld>
     <p:spTree>
@@ -4791,7 +4439,7 @@
         <p:spPr/>
         <p:txBody>
           <a:bodyPr>
-            <a:normAutofit lnSpcReduction="10000"/>
+            <a:normAutofit/>
           </a:bodyPr>
           <a:lstStyle/>
           <a:p>
@@ -4833,7 +4481,31 @@
               <a:rPr lang="en-US" dirty="0">
                 <a:hlinkClick r:id="rId3"/>
               </a:rPr>
-              <a:t>https://github.com/pzfreo/ox-clo/issues/</a:t>
+              <a:t>https://github.com/pzfreo</a:t>
+            </a:r>
+            <a:r>
+              <a:rPr lang="en-US" dirty="0" smtClean="0">
+                <a:hlinkClick r:id="rId3"/>
+              </a:rPr>
+              <a:t>/</a:t>
+            </a:r>
+            <a:r>
+              <a:rPr lang="en-US" dirty="0" smtClean="0">
+                <a:hlinkClick r:id="rId3"/>
+              </a:rPr>
+              <a:t>big</a:t>
+            </a:r>
+            <a:r>
+              <a:rPr lang="en-US" dirty="0" smtClean="0">
+                <a:hlinkClick r:id="rId3"/>
+              </a:rPr>
+              <a:t>/</a:t>
+            </a:r>
+            <a:r>
+              <a:rPr lang="en-US" dirty="0">
+                <a:hlinkClick r:id="rId3"/>
+              </a:rPr>
+              <a:t>issues/</a:t>
             </a:r>
             <a:r>
               <a:rPr lang="en-US" dirty="0" smtClean="0">
@@ -4862,7 +4534,7 @@
 </p:sld>
 </file>
 
-<file path=ppt/slides/slide15.xml><?xml version="1.0" encoding="utf-8"?>
+<file path=ppt/slides/slide14.xml><?xml version="1.0" encoding="utf-8"?>
 <p:sld xmlns:a="http://schemas.openxmlformats.org/drawingml/2006/main" xmlns:r="http://schemas.openxmlformats.org/officeDocument/2006/relationships" xmlns:p="http://schemas.openxmlformats.org/presentationml/2006/main">
   <p:cSld>
     <p:spTree>
@@ -4988,12 +4660,8 @@
                 <a:ea typeface="ヒラギノ角ゴ ProN W3" charset="0"/>
                 <a:cs typeface="ヒラギノ角ゴ ProN W3" charset="0"/>
               </a:rPr>
-              <a:t>WSO2, now a consultant</a:t>
-            </a:r>
-            <a:endParaRPr lang="en-US" sz="2000" dirty="0" smtClean="0">
-              <a:ea typeface="ヒラギノ角ゴ ProN W3" charset="0"/>
-              <a:cs typeface="ヒラギノ角ゴ ProN W3" charset="0"/>
-            </a:endParaRPr>
+              <a:t>WSO2</a:t>
+            </a:r>
           </a:p>
           <a:p>
             <a:pPr eaLnBrk="1" hangingPunct="1"/>
@@ -5133,37 +4801,16 @@
                 <a:ea typeface="ヒラギノ角ゴ ProN W3" charset="0"/>
                 <a:cs typeface="ヒラギノ角ゴ ProN W3" charset="0"/>
               </a:rPr>
-              <a:t> security and privacy</a:t>
+              <a:t> security and </a:t>
+            </a:r>
+            <a:r>
+              <a:rPr lang="en-US" sz="1600" dirty="0" smtClean="0">
+                <a:ea typeface="ヒラギノ角ゴ ProN W3" charset="0"/>
+                <a:cs typeface="ヒラギノ角ゴ ProN W3" charset="0"/>
+              </a:rPr>
+              <a:t>privacy</a:t>
             </a:r>
             <a:endParaRPr lang="en-US" sz="1600" dirty="0" smtClean="0">
-              <a:ea typeface="ヒラギノ角ゴ ProN W3" charset="0"/>
-              <a:cs typeface="ヒラギノ角ゴ ProN W3" charset="0"/>
-            </a:endParaRPr>
-          </a:p>
-          <a:p>
-            <a:pPr eaLnBrk="1" hangingPunct="1"/>
-            <a:r>
-              <a:rPr lang="en-US" sz="2000" dirty="0" smtClean="0">
-                <a:ea typeface="ヒラギノ角ゴ ProN W3" charset="0"/>
-                <a:cs typeface="ヒラギノ角ゴ ProN W3" charset="0"/>
-              </a:rPr>
-              <a:t>Teaches </a:t>
-            </a:r>
-            <a:r>
-              <a:rPr lang="en-US" sz="2000" smtClean="0">
-                <a:ea typeface="ヒラギノ角ゴ ProN W3" charset="0"/>
-                <a:cs typeface="ヒラギノ角ゴ ProN W3" charset="0"/>
-              </a:rPr>
-              <a:t>SOA </a:t>
-            </a:r>
-            <a:r>
-              <a:rPr lang="en-US" sz="2000" smtClean="0">
-                <a:ea typeface="ヒラギノ角ゴ ProN W3" charset="0"/>
-                <a:cs typeface="ヒラギノ角ゴ ProN W3" charset="0"/>
-              </a:rPr>
-              <a:t>module</a:t>
-            </a:r>
-            <a:endParaRPr lang="en-US" sz="2000" dirty="0" smtClean="0">
               <a:ea typeface="ヒラギノ角ゴ ProN W3" charset="0"/>
               <a:cs typeface="ヒラギノ角ゴ ProN W3" charset="0"/>
             </a:endParaRPr>
@@ -5252,7 +4899,7 @@
 </p:sld>
 </file>
 
-<file path=ppt/slides/slide16.xml><?xml version="1.0" encoding="utf-8"?>
+<file path=ppt/slides/slide15.xml><?xml version="1.0" encoding="utf-8"?>
 <p:sld xmlns:a="http://schemas.openxmlformats.org/drawingml/2006/main" xmlns:r="http://schemas.openxmlformats.org/officeDocument/2006/relationships" xmlns:p="http://schemas.openxmlformats.org/presentationml/2006/main">
   <p:cSld>
     <p:spTree>
@@ -5312,7 +4959,7 @@
 </p:sld>
 </file>
 
-<file path=ppt/slides/slide17.xml><?xml version="1.0" encoding="utf-8"?>
+<file path=ppt/slides/slide16.xml><?xml version="1.0" encoding="utf-8"?>
 <p:sld xmlns:a="http://schemas.openxmlformats.org/drawingml/2006/main" xmlns:r="http://schemas.openxmlformats.org/officeDocument/2006/relationships" xmlns:p="http://schemas.openxmlformats.org/presentationml/2006/main">
   <p:cSld>
     <p:spTree>
@@ -5380,551 +5027,6 @@
           </a:p>
         </p:txBody>
       </p:sp>
-      <p:graphicFrame>
-        <p:nvGraphicFramePr>
-          <p:cNvPr id="6" name="Content Placeholder 5"/>
-          <p:cNvGraphicFramePr>
-            <a:graphicFrameLocks noGrp="1"/>
-          </p:cNvGraphicFramePr>
-          <p:nvPr>
-            <p:ph idx="1"/>
-            <p:extLst>
-              <p:ext uri="{D42A27DB-BD31-4B8C-83A1-F6EECF244321}">
-                <p14:modId xmlns:p14="http://schemas.microsoft.com/office/powerpoint/2010/main" val="1629388527"/>
-              </p:ext>
-            </p:extLst>
-          </p:nvPr>
-        </p:nvGraphicFramePr>
-        <p:xfrm>
-          <a:off x="457646" y="1172857"/>
-          <a:ext cx="8063510" cy="4839072"/>
-        </p:xfrm>
-        <a:graphic>
-          <a:graphicData uri="http://schemas.openxmlformats.org/drawingml/2006/table">
-            <a:tbl>
-              <a:tblPr firstRow="1" bandRow="1">
-                <a:tableStyleId>{5C22544A-7EE6-4342-B048-85BDC9FD1C3A}</a:tableStyleId>
-              </a:tblPr>
-              <a:tblGrid>
-                <a:gridCol w="1612702"/>
-                <a:gridCol w="1612702"/>
-                <a:gridCol w="1612702"/>
-                <a:gridCol w="1612702"/>
-                <a:gridCol w="1612702"/>
-              </a:tblGrid>
-              <a:tr h="333271">
-                <a:tc>
-                  <a:txBody>
-                    <a:bodyPr/>
-                    <a:lstStyle/>
-                    <a:p>
-                      <a:pPr algn="ctr"/>
-                      <a:r>
-                        <a:rPr lang="en-US" sz="1700" dirty="0" smtClean="0"/>
-                        <a:t>Monday</a:t>
-                      </a:r>
-                      <a:endParaRPr lang="en-US" sz="1700" dirty="0"/>
-                    </a:p>
-                  </a:txBody>
-                  <a:tcPr marL="64294" marR="64294" marT="32147" marB="32147"/>
-                </a:tc>
-                <a:tc>
-                  <a:txBody>
-                    <a:bodyPr/>
-                    <a:lstStyle/>
-                    <a:p>
-                      <a:pPr algn="ctr"/>
-                      <a:r>
-                        <a:rPr lang="en-US" sz="1700" dirty="0" smtClean="0"/>
-                        <a:t>Tuesday</a:t>
-                      </a:r>
-                      <a:endParaRPr lang="en-US" sz="1700" dirty="0"/>
-                    </a:p>
-                  </a:txBody>
-                  <a:tcPr marL="64294" marR="64294" marT="32147" marB="32147"/>
-                </a:tc>
-                <a:tc>
-                  <a:txBody>
-                    <a:bodyPr/>
-                    <a:lstStyle/>
-                    <a:p>
-                      <a:pPr algn="ctr"/>
-                      <a:r>
-                        <a:rPr lang="en-US" sz="1700" dirty="0" smtClean="0"/>
-                        <a:t>Wednesday</a:t>
-                      </a:r>
-                      <a:endParaRPr lang="en-US" sz="1700" dirty="0"/>
-                    </a:p>
-                  </a:txBody>
-                  <a:tcPr marL="64294" marR="64294" marT="32147" marB="32147"/>
-                </a:tc>
-                <a:tc>
-                  <a:txBody>
-                    <a:bodyPr/>
-                    <a:lstStyle/>
-                    <a:p>
-                      <a:pPr algn="ctr"/>
-                      <a:r>
-                        <a:rPr lang="en-US" sz="1700" dirty="0" smtClean="0"/>
-                        <a:t>Thursday</a:t>
-                      </a:r>
-                      <a:endParaRPr lang="en-US" sz="1700" dirty="0"/>
-                    </a:p>
-                  </a:txBody>
-                  <a:tcPr marL="64294" marR="64294" marT="32147" marB="32147"/>
-                </a:tc>
-                <a:tc>
-                  <a:txBody>
-                    <a:bodyPr/>
-                    <a:lstStyle/>
-                    <a:p>
-                      <a:pPr algn="ctr"/>
-                      <a:r>
-                        <a:rPr lang="en-US" sz="1700" dirty="0" smtClean="0"/>
-                        <a:t>Friday</a:t>
-                      </a:r>
-                      <a:endParaRPr lang="en-US" sz="1700" dirty="0"/>
-                    </a:p>
-                  </a:txBody>
-                  <a:tcPr marL="64294" marR="64294" marT="32147" marB="32147"/>
-                </a:tc>
-              </a:tr>
-              <a:tr h="835825">
-                <a:tc>
-                  <a:txBody>
-                    <a:bodyPr/>
-                    <a:lstStyle/>
-                    <a:p>
-                      <a:r>
-                        <a:rPr lang="en-US" sz="1700" i="0" dirty="0" smtClean="0"/>
-                        <a:t>Overall</a:t>
-                      </a:r>
-                      <a:r>
-                        <a:rPr lang="en-US" sz="1700" i="0" baseline="0" dirty="0" smtClean="0"/>
-                        <a:t> </a:t>
-                      </a:r>
-                      <a:r>
-                        <a:rPr lang="en-US" sz="1700" i="0" dirty="0" smtClean="0"/>
-                        <a:t>Introductions</a:t>
-                      </a:r>
-                    </a:p>
-                    <a:p>
-                      <a:endParaRPr lang="en-US" sz="1700" i="0" dirty="0" smtClean="0"/>
-                    </a:p>
-                    <a:p>
-                      <a:r>
-                        <a:rPr lang="en-US" sz="1700" i="0" dirty="0" smtClean="0"/>
-                        <a:t>First</a:t>
-                      </a:r>
-                      <a:r>
-                        <a:rPr lang="en-US" sz="1700" i="0" baseline="0" dirty="0" smtClean="0"/>
-                        <a:t> Cloud lab exercise</a:t>
-                      </a:r>
-                      <a:endParaRPr lang="en-US" sz="1700" i="0" dirty="0"/>
-                    </a:p>
-                  </a:txBody>
-                  <a:tcPr marL="64294" marR="64294" marT="32147" marB="32147"/>
-                </a:tc>
-                <a:tc>
-                  <a:txBody>
-                    <a:bodyPr/>
-                    <a:lstStyle/>
-                    <a:p>
-                      <a:r>
-                        <a:rPr lang="en-US" sz="1700" dirty="0" smtClean="0"/>
-                        <a:t>Introduction</a:t>
-                      </a:r>
-                      <a:r>
-                        <a:rPr lang="en-US" sz="1700" baseline="0" dirty="0" smtClean="0"/>
-                        <a:t> to Big Data and case studies</a:t>
-                      </a:r>
-                    </a:p>
-                    <a:p>
-                      <a:endParaRPr lang="en-US" sz="1700" baseline="0" dirty="0" smtClean="0"/>
-                    </a:p>
-                    <a:p>
-                      <a:r>
-                        <a:rPr lang="en-US" sz="1700" baseline="0" dirty="0" err="1" smtClean="0"/>
-                        <a:t>Hadoop</a:t>
-                      </a:r>
-                      <a:r>
-                        <a:rPr lang="en-US" sz="1700" baseline="0" dirty="0" smtClean="0"/>
-                        <a:t> Lab 1</a:t>
-                      </a:r>
-                      <a:endParaRPr lang="en-US" sz="1700" dirty="0"/>
-                    </a:p>
-                  </a:txBody>
-                  <a:tcPr marL="64294" marR="64294" marT="32147" marB="32147"/>
-                </a:tc>
-                <a:tc>
-                  <a:txBody>
-                    <a:bodyPr/>
-                    <a:lstStyle/>
-                    <a:p>
-                      <a:r>
-                        <a:rPr lang="en-US" sz="1700" dirty="0" smtClean="0"/>
-                        <a:t>Spark</a:t>
-                      </a:r>
-                      <a:r>
-                        <a:rPr lang="en-US" sz="1700" baseline="0" dirty="0" smtClean="0"/>
-                        <a:t> and SQL</a:t>
-                      </a:r>
-                    </a:p>
-                    <a:p>
-                      <a:endParaRPr lang="en-US" sz="1700" baseline="0" dirty="0" smtClean="0"/>
-                    </a:p>
-                    <a:p>
-                      <a:r>
-                        <a:rPr lang="en-US" sz="1700" baseline="0" dirty="0" err="1" smtClean="0"/>
-                        <a:t>SparkSQL</a:t>
-                      </a:r>
-                      <a:r>
-                        <a:rPr lang="en-US" sz="1700" baseline="0" dirty="0" smtClean="0"/>
-                        <a:t> Lab</a:t>
-                      </a:r>
-                      <a:endParaRPr lang="en-US" sz="1700" dirty="0"/>
-                    </a:p>
-                  </a:txBody>
-                  <a:tcPr marL="64294" marR="64294" marT="32147" marB="32147"/>
-                </a:tc>
-                <a:tc>
-                  <a:txBody>
-                    <a:bodyPr/>
-                    <a:lstStyle/>
-                    <a:p>
-                      <a:r>
-                        <a:rPr lang="en-US" dirty="0" err="1" smtClean="0"/>
-                        <a:t>Visualisation</a:t>
-                      </a:r>
-                      <a:endParaRPr lang="en-US" dirty="0" smtClean="0"/>
-                    </a:p>
-                    <a:p>
-                      <a:endParaRPr lang="en-US" dirty="0" smtClean="0"/>
-                    </a:p>
-                    <a:p>
-                      <a:r>
-                        <a:rPr lang="en-US" dirty="0" err="1" smtClean="0"/>
-                        <a:t>Visualisation</a:t>
-                      </a:r>
-                      <a:r>
-                        <a:rPr lang="en-US" baseline="0" dirty="0" smtClean="0"/>
-                        <a:t> Lab</a:t>
-                      </a:r>
-                      <a:endParaRPr lang="en-US" dirty="0"/>
-                    </a:p>
-                  </a:txBody>
-                  <a:tcPr marL="64294" marR="64294" marT="32147" marB="32147"/>
-                </a:tc>
-                <a:tc>
-                  <a:txBody>
-                    <a:bodyPr/>
-                    <a:lstStyle/>
-                    <a:p>
-                      <a:r>
-                        <a:rPr lang="en-US" dirty="0" smtClean="0"/>
-                        <a:t>Overview</a:t>
-                      </a:r>
-                      <a:r>
-                        <a:rPr lang="en-US" baseline="0" dirty="0" smtClean="0"/>
-                        <a:t> and Recap Presentation</a:t>
-                      </a:r>
-                    </a:p>
-                    <a:p>
-                      <a:endParaRPr lang="en-US" baseline="0" dirty="0" smtClean="0"/>
-                    </a:p>
-                    <a:p>
-                      <a:r>
-                        <a:rPr lang="en-US" baseline="0" dirty="0" smtClean="0"/>
-                        <a:t>Group Exercise</a:t>
-                      </a:r>
-                      <a:endParaRPr lang="en-US" dirty="0"/>
-                    </a:p>
-                  </a:txBody>
-                  <a:tcPr marL="64294" marR="64294" marT="32147" marB="32147"/>
-                </a:tc>
-              </a:tr>
-              <a:tr h="1350179">
-                <a:tc>
-                  <a:txBody>
-                    <a:bodyPr/>
-                    <a:lstStyle/>
-                    <a:p>
-                      <a:r>
-                        <a:rPr lang="en-US" sz="1700" dirty="0" smtClean="0"/>
-                        <a:t>Cloud Overview</a:t>
-                      </a:r>
-                    </a:p>
-                    <a:p>
-                      <a:r>
-                        <a:rPr lang="en-US" sz="1700" dirty="0" smtClean="0"/>
-                        <a:t>and</a:t>
-                      </a:r>
-                      <a:r>
-                        <a:rPr lang="en-US" sz="1700" baseline="0" dirty="0" smtClean="0"/>
-                        <a:t> case studies</a:t>
-                      </a:r>
-                    </a:p>
-                    <a:p>
-                      <a:endParaRPr lang="en-US" sz="1700" baseline="0" dirty="0" smtClean="0"/>
-                    </a:p>
-                    <a:p>
-                      <a:r>
-                        <a:rPr lang="en-US" sz="1700" baseline="0" dirty="0" smtClean="0"/>
-                        <a:t>Elastic Cloud Lab</a:t>
-                      </a:r>
-                      <a:endParaRPr lang="en-US" sz="1700" dirty="0"/>
-                    </a:p>
-                  </a:txBody>
-                  <a:tcPr marL="64294" marR="64294" marT="32147" marB="32147"/>
-                </a:tc>
-                <a:tc>
-                  <a:txBody>
-                    <a:bodyPr/>
-                    <a:lstStyle/>
-                    <a:p>
-                      <a:r>
-                        <a:rPr lang="en-US" sz="1700" dirty="0" err="1" smtClean="0"/>
-                        <a:t>Hadoop</a:t>
-                      </a:r>
-                      <a:r>
-                        <a:rPr lang="en-US" sz="1700" dirty="0" smtClean="0"/>
-                        <a:t> details,</a:t>
-                      </a:r>
-                      <a:r>
-                        <a:rPr lang="en-US" sz="1700" baseline="0" dirty="0" smtClean="0"/>
-                        <a:t> Map-Reduce</a:t>
-                      </a:r>
-                    </a:p>
-                    <a:p>
-                      <a:endParaRPr lang="en-US" sz="1700" baseline="0" dirty="0" smtClean="0"/>
-                    </a:p>
-                    <a:p>
-                      <a:r>
-                        <a:rPr lang="en-US" sz="1700" baseline="0" dirty="0" err="1" smtClean="0"/>
-                        <a:t>Hadoop</a:t>
-                      </a:r>
-                      <a:r>
-                        <a:rPr lang="en-US" sz="1700" baseline="0" dirty="0" smtClean="0"/>
-                        <a:t> Extras</a:t>
-                      </a:r>
-                    </a:p>
-                    <a:p>
-                      <a:endParaRPr lang="en-US" sz="1700" baseline="0" dirty="0" smtClean="0"/>
-                    </a:p>
-                  </a:txBody>
-                  <a:tcPr marL="64294" marR="64294" marT="32147" marB="32147"/>
-                </a:tc>
-                <a:tc>
-                  <a:txBody>
-                    <a:bodyPr/>
-                    <a:lstStyle/>
-                    <a:p>
-                      <a:r>
-                        <a:rPr lang="en-US" dirty="0" smtClean="0"/>
-                        <a:t>Storage</a:t>
-                      </a:r>
-                      <a:r>
-                        <a:rPr lang="en-US" baseline="0" dirty="0" smtClean="0"/>
-                        <a:t> and </a:t>
-                      </a:r>
-                      <a:r>
-                        <a:rPr lang="en-US" baseline="0" dirty="0" err="1" smtClean="0"/>
-                        <a:t>NoSQL</a:t>
-                      </a:r>
-                      <a:endParaRPr lang="en-US" baseline="0" dirty="0" smtClean="0"/>
-                    </a:p>
-                    <a:p>
-                      <a:endParaRPr lang="en-US" baseline="0" dirty="0" smtClean="0"/>
-                    </a:p>
-                    <a:p>
-                      <a:r>
-                        <a:rPr lang="en-US" baseline="0" dirty="0" smtClean="0"/>
-                        <a:t>Cassandra Lab</a:t>
-                      </a:r>
-                      <a:endParaRPr lang="en-US" dirty="0"/>
-                    </a:p>
-                  </a:txBody>
-                  <a:tcPr marL="64294" marR="64294" marT="32147" marB="32147"/>
-                </a:tc>
-                <a:tc>
-                  <a:txBody>
-                    <a:bodyPr/>
-                    <a:lstStyle/>
-                    <a:p>
-                      <a:r>
-                        <a:rPr lang="en-US" dirty="0" smtClean="0"/>
-                        <a:t>Containers</a:t>
-                      </a:r>
-                    </a:p>
-                    <a:p>
-                      <a:endParaRPr lang="en-US" baseline="0" dirty="0" smtClean="0"/>
-                    </a:p>
-                    <a:p>
-                      <a:r>
-                        <a:rPr lang="en-US" baseline="0" dirty="0" err="1" smtClean="0"/>
-                        <a:t>Docker</a:t>
-                      </a:r>
-                      <a:r>
-                        <a:rPr lang="en-US" baseline="0" dirty="0" smtClean="0"/>
-                        <a:t> Lab</a:t>
-                      </a:r>
-                      <a:endParaRPr lang="en-US" dirty="0"/>
-                    </a:p>
-                  </a:txBody>
-                  <a:tcPr marL="64294" marR="64294" marT="32147" marB="32147"/>
-                </a:tc>
-                <a:tc>
-                  <a:txBody>
-                    <a:bodyPr/>
-                    <a:lstStyle/>
-                    <a:p>
-                      <a:r>
-                        <a:rPr lang="en-US" sz="1700" dirty="0" smtClean="0"/>
-                        <a:t>Final Thoughts </a:t>
-                      </a:r>
-                      <a:r>
-                        <a:rPr lang="en-US" sz="1700" smtClean="0"/>
-                        <a:t>and Assignment</a:t>
-                      </a:r>
-                      <a:endParaRPr lang="en-US" sz="1700" dirty="0"/>
-                    </a:p>
-                  </a:txBody>
-                  <a:tcPr marL="64294" marR="64294" marT="32147" marB="32147"/>
-                </a:tc>
-              </a:tr>
-              <a:tr h="835819">
-                <a:tc>
-                  <a:txBody>
-                    <a:bodyPr/>
-                    <a:lstStyle/>
-                    <a:p>
-                      <a:r>
-                        <a:rPr lang="en-US" sz="1700" dirty="0" smtClean="0"/>
-                        <a:t>Cloud Theory</a:t>
-                      </a:r>
-                      <a:br>
-                        <a:rPr lang="en-US" sz="1700" dirty="0" smtClean="0"/>
-                      </a:br>
-                      <a:r>
-                        <a:rPr lang="en-US" sz="1700" dirty="0" smtClean="0"/>
-                        <a:t>Platform-as-a-Service,</a:t>
-                      </a:r>
-                      <a:r>
-                        <a:rPr lang="en-US" sz="1700" baseline="0" dirty="0" smtClean="0"/>
-                        <a:t> scaling</a:t>
-                      </a:r>
-                    </a:p>
-                    <a:p>
-                      <a:r>
-                        <a:rPr lang="en-US" sz="1700" baseline="0" dirty="0" smtClean="0"/>
-                        <a:t/>
-                      </a:r>
-                      <a:br>
-                        <a:rPr lang="en-US" sz="1700" baseline="0" dirty="0" smtClean="0"/>
-                      </a:br>
-                      <a:r>
-                        <a:rPr lang="en-US" sz="1700" baseline="0" dirty="0" smtClean="0"/>
-                        <a:t>Further Cloud Lab</a:t>
-                      </a:r>
-                      <a:endParaRPr lang="en-US" sz="1700" dirty="0"/>
-                    </a:p>
-                  </a:txBody>
-                  <a:tcPr marL="64294" marR="64294" marT="32147" marB="32147"/>
-                </a:tc>
-                <a:tc>
-                  <a:txBody>
-                    <a:bodyPr/>
-                    <a:lstStyle/>
-                    <a:p>
-                      <a:r>
-                        <a:rPr lang="en-US" sz="1700" dirty="0" smtClean="0"/>
-                        <a:t>Intro to Spark</a:t>
-                      </a:r>
-                      <a:endParaRPr lang="en-US" sz="1700" baseline="0" dirty="0" smtClean="0"/>
-                    </a:p>
-                    <a:p>
-                      <a:endParaRPr lang="en-US" sz="1700" baseline="0" dirty="0" smtClean="0"/>
-                    </a:p>
-                  </a:txBody>
-                  <a:tcPr marL="64294" marR="64294" marT="32147" marB="32147"/>
-                </a:tc>
-                <a:tc>
-                  <a:txBody>
-                    <a:bodyPr/>
-                    <a:lstStyle/>
-                    <a:p>
-                      <a:r>
-                        <a:rPr lang="en-US" dirty="0" smtClean="0"/>
-                        <a:t>Cassandra details</a:t>
-                      </a:r>
-                    </a:p>
-                    <a:p>
-                      <a:endParaRPr lang="en-US" dirty="0" smtClean="0"/>
-                    </a:p>
-                    <a:p>
-                      <a:r>
-                        <a:rPr lang="en-US" dirty="0" smtClean="0"/>
-                        <a:t>Cassandra </a:t>
-                      </a:r>
-                    </a:p>
-                    <a:p>
-                      <a:r>
-                        <a:rPr lang="en-US" dirty="0" smtClean="0"/>
-                        <a:t>Lab2</a:t>
-                      </a:r>
-                    </a:p>
-                    <a:p>
-                      <a:endParaRPr lang="en-US" dirty="0"/>
-                    </a:p>
-                  </a:txBody>
-                  <a:tcPr marL="64294" marR="64294" marT="32147" marB="32147"/>
-                </a:tc>
-                <a:tc>
-                  <a:txBody>
-                    <a:bodyPr/>
-                    <a:lstStyle/>
-                    <a:p>
-                      <a:r>
-                        <a:rPr lang="en-US" dirty="0" err="1" smtClean="0"/>
-                        <a:t>Realtime</a:t>
-                      </a:r>
-                      <a:r>
-                        <a:rPr lang="en-US" dirty="0" smtClean="0"/>
-                        <a:t> Big Data</a:t>
-                      </a:r>
-                    </a:p>
-                    <a:p>
-                      <a:endParaRPr lang="en-US" dirty="0" smtClean="0"/>
-                    </a:p>
-                    <a:p>
-                      <a:r>
-                        <a:rPr lang="en-US" dirty="0" err="1" smtClean="0"/>
-                        <a:t>Realtime</a:t>
-                      </a:r>
-                      <a:r>
-                        <a:rPr lang="en-US" baseline="0" dirty="0" smtClean="0"/>
-                        <a:t> Lab</a:t>
-                      </a:r>
-                      <a:endParaRPr lang="en-US" dirty="0"/>
-                    </a:p>
-                  </a:txBody>
-                  <a:tcPr marL="64294" marR="64294" marT="32147" marB="32147"/>
-                </a:tc>
-                <a:tc>
-                  <a:txBody>
-                    <a:bodyPr/>
-                    <a:lstStyle/>
-                    <a:p>
-                      <a:endParaRPr lang="en-US" sz="1700" dirty="0"/>
-                    </a:p>
-                  </a:txBody>
-                  <a:tcPr marL="64294" marR="64294" marT="32147" marB="32147"/>
-                </a:tc>
-              </a:tr>
-            </a:tbl>
-          </a:graphicData>
-        </a:graphic>
-      </p:graphicFrame>
     </p:spTree>
     <p:extLst>
       <p:ext uri="{BB962C8B-B14F-4D97-AF65-F5344CB8AC3E}">
@@ -5953,7 +5055,7 @@
 </p:sld>
 </file>
 
-<file path=ppt/slides/slide18.xml><?xml version="1.0" encoding="utf-8"?>
+<file path=ppt/slides/slide17.xml><?xml version="1.0" encoding="utf-8"?>
 <p:sld xmlns:a="http://schemas.openxmlformats.org/drawingml/2006/main" xmlns:r="http://schemas.openxmlformats.org/officeDocument/2006/relationships" xmlns:p="http://schemas.openxmlformats.org/presentationml/2006/main">
   <p:cSld>
     <p:spTree>
@@ -6477,18 +5579,11 @@
           <a:p>
             <a:pPr eaLnBrk="1" hangingPunct="1"/>
             <a:r>
-              <a:rPr lang="en-US" dirty="0">
-                <a:ea typeface="ヒラギノ角ゴ ProN W3" charset="0"/>
-                <a:cs typeface="ヒラギノ角ゴ ProN W3" charset="0"/>
-              </a:rPr>
-              <a:t>Understanding of </a:t>
-            </a:r>
-            <a:r>
               <a:rPr lang="en-US" dirty="0" smtClean="0">
                 <a:ea typeface="ヒラギノ角ゴ ProN W3" charset="0"/>
                 <a:cs typeface="ヒラギノ角ゴ ProN W3" charset="0"/>
               </a:rPr>
-              <a:t>Principles of Cloud Computing and Big Data</a:t>
+              <a:t>Understanding principles of Big Data</a:t>
             </a:r>
             <a:endParaRPr lang="en-US" dirty="0">
               <a:ea typeface="ヒラギノ角ゴ ProN W3" charset="0"/>
@@ -6519,7 +5614,21 @@
                 <a:ea typeface="ヒラギノ角ゴ ProN W3" charset="0"/>
                 <a:cs typeface="ヒラギノ角ゴ ProN W3" charset="0"/>
               </a:rPr>
-              <a:t>experience of different technologies</a:t>
+              <a:t>experience of </a:t>
+            </a:r>
+            <a:r>
+              <a:rPr lang="en-US" dirty="0" smtClean="0">
+                <a:ea typeface="ヒラギノ角ゴ ProN W3" charset="0"/>
+                <a:cs typeface="ヒラギノ角ゴ ProN W3" charset="0"/>
+              </a:rPr>
+              <a:t>modern big data processing systems </a:t>
+            </a:r>
+            <a:r>
+              <a:rPr lang="en-US" dirty="0">
+                <a:ea typeface="ヒラギノ角ゴ ProN W3" charset="0"/>
+                <a:cs typeface="ヒラギノ角ゴ ProN W3" charset="0"/>
+              </a:rPr>
+              <a:t>technologies</a:t>
             </a:r>
           </a:p>
           <a:p>
@@ -6529,8 +5638,19 @@
                 <a:ea typeface="ヒラギノ角ゴ ProN W3" charset="0"/>
                 <a:cs typeface="ヒラギノ角ゴ ProN W3" charset="0"/>
               </a:rPr>
-              <a:t>Architecture and Design</a:t>
-            </a:r>
+              <a:t>Architecture and </a:t>
+            </a:r>
+            <a:r>
+              <a:rPr lang="en-US" dirty="0" smtClean="0">
+                <a:ea typeface="ヒラギノ角ゴ ProN W3" charset="0"/>
+                <a:cs typeface="ヒラギノ角ゴ ProN W3" charset="0"/>
+              </a:rPr>
+              <a:t>design</a:t>
+            </a:r>
+            <a:endParaRPr lang="en-US" dirty="0">
+              <a:ea typeface="ヒラギノ角ゴ ProN W3" charset="0"/>
+              <a:cs typeface="ヒラギノ角ゴ ProN W3" charset="0"/>
+            </a:endParaRPr>
           </a:p>
           <a:p>
             <a:pPr eaLnBrk="1" hangingPunct="1"/>
@@ -6708,33 +5828,6 @@
             <a:endParaRPr lang="en-US" sz="2400" dirty="0" smtClean="0"/>
           </a:p>
           <a:p>
-            <a:pPr eaLnBrk="1" hangingPunct="1">
-              <a:defRPr/>
-            </a:pPr>
-            <a:r>
-              <a:rPr lang="en-US" sz="2400" b="1" dirty="0" smtClean="0"/>
-              <a:t>SQL </a:t>
-            </a:r>
-            <a:r>
-              <a:rPr lang="en-US" sz="2400" dirty="0" smtClean="0"/>
-              <a:t>and data manipulation</a:t>
-            </a:r>
-          </a:p>
-          <a:p>
-            <a:pPr eaLnBrk="1" hangingPunct="1">
-              <a:defRPr/>
-            </a:pPr>
-            <a:r>
-              <a:rPr lang="en-US" sz="2400" b="1" dirty="0" smtClean="0"/>
-              <a:t>Understanding</a:t>
-            </a:r>
-            <a:r>
-              <a:rPr lang="en-US" sz="2400" dirty="0" smtClean="0"/>
-              <a:t> of networking, servers and distributed computing </a:t>
-            </a:r>
-            <a:endParaRPr lang="en-US" sz="2400" b="1" dirty="0" smtClean="0"/>
-          </a:p>
-          <a:p>
             <a:pPr marL="178587" indent="0">
               <a:buNone/>
               <a:defRPr/>
@@ -6963,24 +6056,16 @@
               <a:t>E.g. Apache </a:t>
             </a:r>
             <a:r>
-              <a:rPr lang="en-US" dirty="0" err="1" smtClean="0"/>
-              <a:t>Hadoop</a:t>
-            </a:r>
-            <a:r>
               <a:rPr lang="en-US" dirty="0" smtClean="0"/>
-              <a:t> and Spark, </a:t>
-            </a:r>
-            <a:r>
-              <a:rPr lang="en-US" dirty="0" err="1" smtClean="0"/>
-              <a:t>Docker</a:t>
+              <a:t>Spark</a:t>
             </a:r>
             <a:r>
               <a:rPr lang="en-US" dirty="0" smtClean="0"/>
               <a:t>, </a:t>
             </a:r>
             <a:r>
-              <a:rPr lang="en-US" dirty="0" err="1" smtClean="0"/>
-              <a:t>etc</a:t>
+              <a:rPr lang="en-US" dirty="0" smtClean="0"/>
+              <a:t>Cassandra, Python</a:t>
             </a:r>
             <a:endParaRPr lang="en-US" dirty="0" smtClean="0"/>
           </a:p>
@@ -7090,7 +6175,7 @@
       </p:sp>
       <p:sp>
         <p:nvSpPr>
-          <p:cNvPr id="2" name="Content Placeholder 1"/>
+          <p:cNvPr id="4" name="Content Placeholder 3"/>
           <p:cNvSpPr>
             <a:spLocks noGrp="1"/>
           </p:cNvSpPr>
@@ -7098,7 +6183,12 @@
             <p:ph sz="half" idx="1"/>
           </p:nvPr>
         </p:nvSpPr>
-        <p:spPr/>
+        <p:spPr>
+          <a:xfrm>
+            <a:off x="457200" y="1600200"/>
+            <a:ext cx="7860338" cy="4525963"/>
+          </a:xfrm>
+        </p:spPr>
         <p:txBody>
           <a:bodyPr>
             <a:normAutofit lnSpcReduction="10000"/>
@@ -7107,135 +6197,66 @@
           <a:p>
             <a:r>
               <a:rPr lang="en-US" dirty="0" smtClean="0"/>
-              <a:t>Overview and Introduction</a:t>
+              <a:t>Big Data motivation and overview</a:t>
             </a:r>
           </a:p>
           <a:p>
             <a:r>
               <a:rPr lang="en-US" dirty="0" smtClean="0"/>
-              <a:t>Cloud Computing</a:t>
-            </a:r>
-          </a:p>
-          <a:p>
-            <a:pPr lvl="1"/>
+              <a:t>Using Python for Data Analysis</a:t>
+            </a:r>
+          </a:p>
+          <a:p>
             <a:r>
               <a:rPr lang="en-US" dirty="0" smtClean="0"/>
-              <a:t>Introduction and Case Studies</a:t>
-            </a:r>
-          </a:p>
-          <a:p>
-            <a:pPr lvl="1"/>
+              <a:t>Map Reduce and Directed Acyclic Graphs</a:t>
+            </a:r>
+          </a:p>
+          <a:p>
             <a:r>
               <a:rPr lang="en-US" dirty="0" smtClean="0"/>
-              <a:t>Cloud Computing Theory and Background</a:t>
-            </a:r>
-          </a:p>
-          <a:p>
-            <a:pPr lvl="1"/>
+              <a:t>Apache Spark</a:t>
+            </a:r>
+          </a:p>
+          <a:p>
             <a:r>
               <a:rPr lang="en-US" dirty="0" smtClean="0"/>
-              <a:t>Containers and </a:t>
+              <a:t>Spark and SQL </a:t>
+            </a:r>
+          </a:p>
+          <a:p>
+            <a:r>
+              <a:rPr lang="en-US" dirty="0" smtClean="0"/>
+              <a:t>Theory of scaling</a:t>
+            </a:r>
+          </a:p>
+          <a:p>
+            <a:r>
+              <a:rPr lang="en-US" dirty="0" smtClean="0"/>
+              <a:t>Running Spark on Amazon</a:t>
+            </a:r>
+          </a:p>
+          <a:p>
+            <a:r>
+              <a:rPr lang="en-US" dirty="0" smtClean="0"/>
+              <a:t>Introduction to </a:t>
             </a:r>
             <a:r>
               <a:rPr lang="en-US" dirty="0" err="1" smtClean="0"/>
-              <a:t>Docker</a:t>
-            </a:r>
-            <a:endParaRPr lang="en-US" dirty="0" smtClean="0"/>
-          </a:p>
-          <a:p>
-            <a:pPr marL="0" indent="0">
-              <a:buNone/>
-            </a:pPr>
-            <a:endParaRPr lang="en-US" dirty="0"/>
-          </a:p>
-        </p:txBody>
-      </p:sp>
-      <p:sp>
-        <p:nvSpPr>
-          <p:cNvPr id="3" name="Content Placeholder 2"/>
-          <p:cNvSpPr>
-            <a:spLocks noGrp="1"/>
-          </p:cNvSpPr>
-          <p:nvPr>
-            <p:ph sz="half" idx="2"/>
-          </p:nvPr>
-        </p:nvSpPr>
-        <p:spPr/>
-        <p:txBody>
-          <a:bodyPr>
-            <a:normAutofit lnSpcReduction="10000"/>
-          </a:bodyPr>
-          <a:lstStyle/>
-          <a:p>
-            <a:r>
-              <a:rPr lang="en-US" dirty="0"/>
-              <a:t>Big Data</a:t>
-            </a:r>
-          </a:p>
-          <a:p>
-            <a:pPr lvl="1"/>
-            <a:r>
-              <a:rPr lang="en-US" dirty="0"/>
-              <a:t>Introduction and Case Studies</a:t>
-            </a:r>
-          </a:p>
-          <a:p>
-            <a:pPr lvl="1"/>
-            <a:r>
-              <a:rPr lang="en-US" dirty="0"/>
-              <a:t>Map Reduce and </a:t>
-            </a:r>
-            <a:r>
-              <a:rPr lang="en-US" dirty="0" err="1"/>
-              <a:t>Hadoop</a:t>
-            </a:r>
-            <a:endParaRPr lang="en-US" dirty="0"/>
-          </a:p>
-          <a:p>
-            <a:pPr lvl="1"/>
-            <a:r>
-              <a:rPr lang="en-US" dirty="0"/>
-              <a:t>Apache Spark and in-memory big data</a:t>
-            </a:r>
-          </a:p>
-          <a:p>
-            <a:pPr lvl="1"/>
-            <a:r>
-              <a:rPr lang="en-US" dirty="0" err="1"/>
-              <a:t>Realtime</a:t>
-            </a:r>
-            <a:r>
-              <a:rPr lang="en-US" dirty="0"/>
-              <a:t> </a:t>
-            </a:r>
-          </a:p>
-          <a:p>
-            <a:pPr lvl="1"/>
-            <a:r>
-              <a:rPr lang="en-US" dirty="0" err="1"/>
-              <a:t>Visualisation</a:t>
-            </a:r>
-            <a:endParaRPr lang="en-US" dirty="0"/>
-          </a:p>
-          <a:p>
-            <a:pPr lvl="1"/>
-            <a:r>
-              <a:rPr lang="en-US" dirty="0" err="1"/>
               <a:t>NoSQL</a:t>
             </a:r>
-            <a:endParaRPr lang="en-US" dirty="0"/>
-          </a:p>
-          <a:p>
-            <a:pPr lvl="2"/>
-            <a:r>
-              <a:rPr lang="en-US" dirty="0"/>
-              <a:t>Cassandra</a:t>
-            </a:r>
-          </a:p>
-          <a:p>
-            <a:pPr marL="0" indent="0">
-              <a:buNone/>
-            </a:pPr>
+            <a:r>
+              <a:rPr lang="en-US" dirty="0" smtClean="0"/>
+              <a:t> databases</a:t>
+            </a:r>
+          </a:p>
+          <a:p>
+            <a:r>
+              <a:rPr lang="en-US" dirty="0" smtClean="0"/>
+              <a:t>Introduction to Machine Learning</a:t>
+            </a:r>
+          </a:p>
+          <a:p>
             <a:endParaRPr lang="en-US" dirty="0"/>
           </a:p>
         </p:txBody>
@@ -7377,7 +6398,7 @@
             <a:prstTxWarp prst="textNoShape">
               <a:avLst/>
             </a:prstTxWarp>
-            <a:normAutofit fontScale="92500" lnSpcReduction="10000"/>
+            <a:normAutofit/>
           </a:bodyPr>
           <a:lstStyle/>
           <a:p>
@@ -7387,7 +6408,7 @@
                 <a:ea typeface="ヒラギノ角ゴ ProN W3" charset="0"/>
                 <a:cs typeface="ヒラギノ角ゴ ProN W3" charset="0"/>
               </a:rPr>
-              <a:t>Using Cloud Services</a:t>
+              <a:t>Python Data Analysis</a:t>
             </a:r>
           </a:p>
           <a:p>
@@ -7397,34 +6418,14 @@
                 <a:ea typeface="ヒラギノ角ゴ ProN W3" charset="0"/>
                 <a:cs typeface="ヒラギノ角ゴ ProN W3" charset="0"/>
               </a:rPr>
-              <a:t>Elastic scaling</a:t>
-            </a:r>
-          </a:p>
-          <a:p>
-            <a:pPr eaLnBrk="1" hangingPunct="1"/>
-            <a:r>
-              <a:rPr lang="en-US" dirty="0" err="1" smtClean="0">
-                <a:ea typeface="ヒラギノ角ゴ ProN W3" charset="0"/>
-                <a:cs typeface="ヒラギノ角ゴ ProN W3" charset="0"/>
-              </a:rPr>
-              <a:t>Hadoop</a:t>
+              <a:t>Spark</a:t>
             </a:r>
             <a:r>
               <a:rPr lang="en-US" dirty="0" smtClean="0">
                 <a:ea typeface="ヒラギノ角ゴ ProN W3" charset="0"/>
                 <a:cs typeface="ヒラギノ角ゴ ProN W3" charset="0"/>
               </a:rPr>
-              <a:t> and Map Reduce</a:t>
-            </a:r>
-          </a:p>
-          <a:p>
-            <a:pPr eaLnBrk="1" hangingPunct="1"/>
-            <a:r>
-              <a:rPr lang="en-US" dirty="0" smtClean="0">
-                <a:ea typeface="ヒラギノ角ゴ ProN W3" charset="0"/>
-                <a:cs typeface="ヒラギノ角ゴ ProN W3" charset="0"/>
-              </a:rPr>
-              <a:t>Spark, </a:t>
+              <a:t>, </a:t>
             </a:r>
             <a:r>
               <a:rPr lang="en-US" dirty="0" err="1" smtClean="0">
@@ -7445,7 +6446,24 @@
                 <a:ea typeface="ヒラギノ角ゴ ProN W3" charset="0"/>
                 <a:cs typeface="ヒラギノ角ゴ ProN W3" charset="0"/>
               </a:rPr>
-              <a:t>Cassandra and </a:t>
+              <a:t>Spark on Amazon</a:t>
+            </a:r>
+          </a:p>
+          <a:p>
+            <a:pPr eaLnBrk="1" hangingPunct="1"/>
+            <a:r>
+              <a:rPr lang="en-US" dirty="0" smtClean="0">
+                <a:ea typeface="ヒラギノ角ゴ ProN W3" charset="0"/>
+                <a:cs typeface="ヒラギノ角ゴ ProN W3" charset="0"/>
+              </a:rPr>
+              <a:t>Cassandra </a:t>
+            </a:r>
+            <a:r>
+              <a:rPr lang="en-US" dirty="0" smtClean="0">
+                <a:ea typeface="ヒラギノ角ゴ ProN W3" charset="0"/>
+                <a:cs typeface="ヒラギノ角ゴ ProN W3" charset="0"/>
+              </a:rPr>
+              <a:t>and </a:t>
             </a:r>
             <a:r>
               <a:rPr lang="en-US" dirty="0" err="1" smtClean="0">
@@ -7466,41 +6484,7 @@
                 <a:ea typeface="ヒラギノ角ゴ ProN W3" charset="0"/>
                 <a:cs typeface="ヒラギノ角ゴ ProN W3" charset="0"/>
               </a:rPr>
-              <a:t>Spark and Cassandra together</a:t>
-            </a:r>
-          </a:p>
-          <a:p>
-            <a:pPr eaLnBrk="1" hangingPunct="1"/>
-            <a:r>
-              <a:rPr lang="en-US" dirty="0" err="1" smtClean="0">
-                <a:ea typeface="ヒラギノ角ゴ ProN W3" charset="0"/>
-                <a:cs typeface="ヒラギノ角ゴ ProN W3" charset="0"/>
-              </a:rPr>
-              <a:t>Realtime</a:t>
-            </a:r>
-            <a:r>
-              <a:rPr lang="en-US" dirty="0">
-                <a:ea typeface="ヒラギノ角ゴ ProN W3" charset="0"/>
-                <a:cs typeface="ヒラギノ角ゴ ProN W3" charset="0"/>
-              </a:rPr>
-              <a:t> </a:t>
-            </a:r>
-            <a:r>
-              <a:rPr lang="en-US" dirty="0" smtClean="0">
-                <a:ea typeface="ヒラギノ角ゴ ProN W3" charset="0"/>
-                <a:cs typeface="ヒラギノ角ゴ ProN W3" charset="0"/>
-              </a:rPr>
-              <a:t>big data</a:t>
-            </a:r>
-          </a:p>
-          <a:p>
-            <a:pPr eaLnBrk="1" hangingPunct="1"/>
-            <a:r>
-              <a:rPr lang="en-US" dirty="0" smtClean="0">
-                <a:ea typeface="ヒラギノ角ゴ ProN W3" charset="0"/>
-                <a:cs typeface="ヒラギノ角ゴ ProN W3" charset="0"/>
-              </a:rPr>
-              <a:t>Containers</a:t>
+              <a:t>Machine Learning libraries</a:t>
             </a:r>
           </a:p>
           <a:p>

--- a/pres-source/00-intro.pptx
+++ b/pres-source/00-intro.pptx
@@ -5,7 +5,7 @@
     <p:sldMasterId id="2147483648" r:id="rId1"/>
   </p:sldMasterIdLst>
   <p:notesMasterIdLst>
-    <p:notesMasterId r:id="rId19"/>
+    <p:notesMasterId r:id="rId20"/>
   </p:notesMasterIdLst>
   <p:sldIdLst>
     <p:sldId id="256" r:id="rId2"/>
@@ -22,9 +22,10 @@
     <p:sldId id="264" r:id="rId13"/>
     <p:sldId id="270" r:id="rId14"/>
     <p:sldId id="265" r:id="rId15"/>
-    <p:sldId id="269" r:id="rId16"/>
-    <p:sldId id="266" r:id="rId17"/>
-    <p:sldId id="267" r:id="rId18"/>
+    <p:sldId id="276" r:id="rId16"/>
+    <p:sldId id="269" r:id="rId17"/>
+    <p:sldId id="266" r:id="rId18"/>
+    <p:sldId id="267" r:id="rId19"/>
   </p:sldIdLst>
   <p:sldSz cx="9144000" cy="6858000" type="screen4x3"/>
   <p:notesSz cx="6858000" cy="9144000"/>
@@ -213,7 +214,7 @@
             <a:fld id="{7307762F-A706-E543-A832-3C298AA3103F}" type="datetimeFigureOut">
               <a:rPr lang="en-US" smtClean="0"/>
               <a:pPr/>
-              <a:t>01/12/17</a:t>
+              <a:t>06/12/17</a:t>
             </a:fld>
             <a:endParaRPr lang="en-US" dirty="0"/>
           </a:p>
@@ -780,7 +781,7 @@
           <a:p>
             <a:fld id="{875CF0EB-321F-0749-B37A-89BBA859503C}" type="datetimeFigureOut">
               <a:rPr lang="en-US" smtClean="0"/>
-              <a:t>01/12/17</a:t>
+              <a:t>06/12/17</a:t>
             </a:fld>
             <a:endParaRPr lang="en-US"/>
           </a:p>
@@ -984,7 +985,7 @@
           <a:p>
             <a:fld id="{875CF0EB-321F-0749-B37A-89BBA859503C}" type="datetimeFigureOut">
               <a:rPr lang="en-US" smtClean="0"/>
-              <a:t>01/12/17</a:t>
+              <a:t>06/12/17</a:t>
             </a:fld>
             <a:endParaRPr lang="en-US"/>
           </a:p>
@@ -1178,7 +1179,7 @@
           <a:p>
             <a:fld id="{875CF0EB-321F-0749-B37A-89BBA859503C}" type="datetimeFigureOut">
               <a:rPr lang="en-US" smtClean="0"/>
-              <a:t>01/12/17</a:t>
+              <a:t>06/12/17</a:t>
             </a:fld>
             <a:endParaRPr lang="en-US"/>
           </a:p>
@@ -1448,7 +1449,7 @@
           <a:p>
             <a:fld id="{875CF0EB-321F-0749-B37A-89BBA859503C}" type="datetimeFigureOut">
               <a:rPr lang="en-US" smtClean="0"/>
-              <a:t>01/12/17</a:t>
+              <a:t>06/12/17</a:t>
             </a:fld>
             <a:endParaRPr lang="en-US"/>
           </a:p>
@@ -1760,7 +1761,7 @@
           <a:p>
             <a:fld id="{875CF0EB-321F-0749-B37A-89BBA859503C}" type="datetimeFigureOut">
               <a:rPr lang="en-US" smtClean="0"/>
-              <a:t>01/12/17</a:t>
+              <a:t>06/12/17</a:t>
             </a:fld>
             <a:endParaRPr lang="en-US"/>
           </a:p>
@@ -2206,7 +2207,7 @@
           <a:p>
             <a:fld id="{875CF0EB-321F-0749-B37A-89BBA859503C}" type="datetimeFigureOut">
               <a:rPr lang="en-US" smtClean="0"/>
-              <a:t>01/12/17</a:t>
+              <a:t>06/12/17</a:t>
             </a:fld>
             <a:endParaRPr lang="en-US"/>
           </a:p>
@@ -2348,7 +2349,7 @@
           <a:p>
             <a:fld id="{875CF0EB-321F-0749-B37A-89BBA859503C}" type="datetimeFigureOut">
               <a:rPr lang="en-US" smtClean="0"/>
-              <a:t>01/12/17</a:t>
+              <a:t>06/12/17</a:t>
             </a:fld>
             <a:endParaRPr lang="en-US"/>
           </a:p>
@@ -2467,7 +2468,7 @@
           <a:p>
             <a:fld id="{875CF0EB-321F-0749-B37A-89BBA859503C}" type="datetimeFigureOut">
               <a:rPr lang="en-US" smtClean="0"/>
-              <a:t>01/12/17</a:t>
+              <a:t>06/12/17</a:t>
             </a:fld>
             <a:endParaRPr lang="en-US"/>
           </a:p>
@@ -2768,7 +2769,7 @@
           <a:p>
             <a:fld id="{875CF0EB-321F-0749-B37A-89BBA859503C}" type="datetimeFigureOut">
               <a:rPr lang="en-US" smtClean="0"/>
-              <a:t>01/12/17</a:t>
+              <a:t>06/12/17</a:t>
             </a:fld>
             <a:endParaRPr lang="en-US"/>
           </a:p>
@@ -3045,7 +3046,7 @@
           <a:p>
             <a:fld id="{875CF0EB-321F-0749-B37A-89BBA859503C}" type="datetimeFigureOut">
               <a:rPr lang="en-US" smtClean="0"/>
-              <a:t>01/12/17</a:t>
+              <a:t>06/12/17</a:t>
             </a:fld>
             <a:endParaRPr lang="en-US"/>
           </a:p>
@@ -4135,17 +4136,8 @@
             </a:r>
             <a:r>
               <a:rPr lang="en-US" dirty="0" smtClean="0"/>
-              <a:t>, </a:t>
-            </a:r>
-            <a:r>
-              <a:rPr lang="en-US" dirty="0" smtClean="0"/>
-              <a:t>Spark</a:t>
-            </a:r>
-            <a:r>
-              <a:rPr lang="en-US" dirty="0" smtClean="0"/>
-              <a:t>, HDFS, Machine Learning</a:t>
-            </a:r>
-            <a:endParaRPr lang="en-US" dirty="0" smtClean="0"/>
+              <a:t>, Spark, HDFS, Machine Learning</a:t>
+            </a:r>
           </a:p>
           <a:p>
             <a:endParaRPr lang="en-US" dirty="0"/>
@@ -4487,19 +4479,7 @@
               <a:rPr lang="en-US" dirty="0" smtClean="0">
                 <a:hlinkClick r:id="rId3"/>
               </a:rPr>
-              <a:t>/</a:t>
-            </a:r>
-            <a:r>
-              <a:rPr lang="en-US" dirty="0" smtClean="0">
-                <a:hlinkClick r:id="rId3"/>
-              </a:rPr>
-              <a:t>big</a:t>
-            </a:r>
-            <a:r>
-              <a:rPr lang="en-US" dirty="0" smtClean="0">
-                <a:hlinkClick r:id="rId3"/>
-              </a:rPr>
-              <a:t>/</a:t>
+              <a:t>/big/</a:t>
             </a:r>
             <a:r>
               <a:rPr lang="en-US" dirty="0">
@@ -4691,8 +4671,29 @@
                 <a:ea typeface="ヒラギノ角ゴ ProN W3" charset="0"/>
                 <a:cs typeface="ヒラギノ角ゴ ProN W3" charset="0"/>
               </a:rPr>
-              <a:t> architecture</a:t>
-            </a:r>
+              <a:t> </a:t>
+            </a:r>
+            <a:r>
+              <a:rPr lang="en-US" sz="2000" dirty="0" smtClean="0">
+                <a:ea typeface="ヒラギノ角ゴ ProN W3" charset="0"/>
+                <a:cs typeface="ヒラギノ角ゴ ProN W3" charset="0"/>
+              </a:rPr>
+              <a:t>architecture</a:t>
+            </a:r>
+          </a:p>
+          <a:p>
+            <a:pPr eaLnBrk="1" hangingPunct="1"/>
+            <a:r>
+              <a:rPr lang="en-US" sz="2000" dirty="0" smtClean="0">
+                <a:ea typeface="ヒラギノ角ゴ ProN W3" charset="0"/>
+                <a:cs typeface="ヒラギノ角ゴ ProN W3" charset="0"/>
+              </a:rPr>
+              <a:t>Visiting Lecturer, Oxford University</a:t>
+            </a:r>
+            <a:endParaRPr lang="en-US" sz="2000" dirty="0">
+              <a:ea typeface="ヒラギノ角ゴ ProN W3" charset="0"/>
+              <a:cs typeface="ヒラギノ角ゴ ProN W3" charset="0"/>
+            </a:endParaRPr>
           </a:p>
           <a:p>
             <a:pPr eaLnBrk="1" hangingPunct="1"/>
@@ -4708,83 +4709,35 @@
                 <a:ea typeface="ヒラギノ角ゴ ProN W3" charset="0"/>
                 <a:cs typeface="ヒラギノ角ゴ ProN W3" charset="0"/>
               </a:rPr>
-              <a:t>, Apache Synapse and Member of ASF</a:t>
-            </a:r>
-          </a:p>
-          <a:p>
-            <a:pPr eaLnBrk="1" hangingPunct="1"/>
-            <a:r>
-              <a:rPr lang="en-US" sz="2000" dirty="0">
-                <a:ea typeface="ヒラギノ角ゴ ProN W3" charset="0"/>
-                <a:cs typeface="ヒラギノ角ゴ ProN W3" charset="0"/>
-              </a:rPr>
-              <a:t>B</a:t>
+              <a:t>, Apache Synapse and Member of </a:t>
             </a:r>
             <a:r>
               <a:rPr lang="en-US" sz="2000" dirty="0" smtClean="0">
                 <a:ea typeface="ヒラギノ角ゴ ProN W3" charset="0"/>
                 <a:cs typeface="ヒラギノ角ゴ ProN W3" charset="0"/>
               </a:rPr>
-              <a:t>A </a:t>
-            </a:r>
-            <a:r>
-              <a:rPr lang="en-US" sz="2000" dirty="0">
-                <a:ea typeface="ヒラギノ角ゴ ProN W3" charset="0"/>
-                <a:cs typeface="ヒラギノ角ゴ ProN W3" charset="0"/>
-              </a:rPr>
-              <a:t>in </a:t>
-            </a:r>
-            <a:r>
-              <a:rPr lang="en-US" sz="2000" dirty="0" err="1">
-                <a:ea typeface="ヒラギノ角ゴ ProN W3" charset="0"/>
-                <a:cs typeface="ヒラギノ角ゴ ProN W3" charset="0"/>
-              </a:rPr>
-              <a:t>Maths</a:t>
-            </a:r>
-            <a:r>
-              <a:rPr lang="en-US" sz="2000" dirty="0">
-                <a:ea typeface="ヒラギノ角ゴ ProN W3" charset="0"/>
-                <a:cs typeface="ヒラギノ角ゴ ProN W3" charset="0"/>
-              </a:rPr>
-              <a:t> and </a:t>
-            </a:r>
+              <a:t>Apache</a:t>
+            </a:r>
+            <a:endParaRPr lang="en-US" sz="2000" dirty="0">
+              <a:ea typeface="ヒラギノ角ゴ ProN W3" charset="0"/>
+              <a:cs typeface="ヒラギノ角ゴ ProN W3" charset="0"/>
+            </a:endParaRPr>
+          </a:p>
+          <a:p>
+            <a:pPr eaLnBrk="1" hangingPunct="1"/>
             <a:r>
               <a:rPr lang="en-US" sz="2000" dirty="0" smtClean="0">
                 <a:ea typeface="ヒラギノ角ゴ ProN W3" charset="0"/>
                 <a:cs typeface="ヒラギノ角ゴ ProN W3" charset="0"/>
               </a:rPr>
-              <a:t>Philosophy </a:t>
-            </a:r>
-            <a:endParaRPr lang="en-US" sz="2000" dirty="0">
-              <a:ea typeface="ヒラギノ角ゴ ProN W3" charset="0"/>
-              <a:cs typeface="ヒラギノ角ゴ ProN W3" charset="0"/>
-            </a:endParaRPr>
-          </a:p>
-          <a:p>
-            <a:pPr eaLnBrk="1" hangingPunct="1"/>
-            <a:r>
-              <a:rPr lang="en-US" sz="2000" dirty="0">
-                <a:ea typeface="ヒラギノ角ゴ ProN W3" charset="0"/>
-                <a:cs typeface="ヒラギノ角ゴ ProN W3" charset="0"/>
-              </a:rPr>
-              <a:t>MSc in Computation (1995</a:t>
+              <a:t>PhD </a:t>
             </a:r>
             <a:r>
               <a:rPr lang="en-US" sz="2000" dirty="0" smtClean="0">
                 <a:ea typeface="ヒラギノ角ゴ ProN W3" charset="0"/>
                 <a:cs typeface="ヒラギノ角ゴ ProN W3" charset="0"/>
               </a:rPr>
-              <a:t>)</a:t>
-            </a:r>
-          </a:p>
-          <a:p>
-            <a:pPr eaLnBrk="1" hangingPunct="1"/>
-            <a:r>
-              <a:rPr lang="en-US" sz="2000" dirty="0" smtClean="0">
-                <a:ea typeface="ヒラギノ角ゴ ProN W3" charset="0"/>
-                <a:cs typeface="ヒラギノ角ゴ ProN W3" charset="0"/>
-              </a:rPr>
-              <a:t>PhD in Computing (2017)</a:t>
+              <a:t>in Computing (2017)</a:t>
             </a:r>
           </a:p>
           <a:p>
@@ -4801,19 +4754,8 @@
                 <a:ea typeface="ヒラギノ角ゴ ProN W3" charset="0"/>
                 <a:cs typeface="ヒラギノ角ゴ ProN W3" charset="0"/>
               </a:rPr>
-              <a:t> security and </a:t>
-            </a:r>
-            <a:r>
-              <a:rPr lang="en-US" sz="1600" dirty="0" smtClean="0">
-                <a:ea typeface="ヒラギノ角ゴ ProN W3" charset="0"/>
-                <a:cs typeface="ヒラギノ角ゴ ProN W3" charset="0"/>
-              </a:rPr>
-              <a:t>privacy</a:t>
-            </a:r>
-            <a:endParaRPr lang="en-US" sz="1600" dirty="0" smtClean="0">
-              <a:ea typeface="ヒラギノ角ゴ ProN W3" charset="0"/>
-              <a:cs typeface="ヒラギノ角ゴ ProN W3" charset="0"/>
-            </a:endParaRPr>
+              <a:t> security and privacy</a:t>
+            </a:r>
           </a:p>
         </p:txBody>
       </p:sp>
@@ -4933,6 +4875,133 @@
           <a:p>
             <a:r>
               <a:rPr lang="en-US" dirty="0" smtClean="0"/>
+              <a:t>David Johnson</a:t>
+            </a:r>
+            <a:endParaRPr lang="en-US" dirty="0"/>
+          </a:p>
+        </p:txBody>
+      </p:sp>
+      <p:sp>
+        <p:nvSpPr>
+          <p:cNvPr id="3" name="Content Placeholder 2"/>
+          <p:cNvSpPr>
+            <a:spLocks noGrp="1"/>
+          </p:cNvSpPr>
+          <p:nvPr>
+            <p:ph idx="1"/>
+          </p:nvPr>
+        </p:nvSpPr>
+        <p:spPr>
+          <a:xfrm>
+            <a:off x="375635" y="1600200"/>
+            <a:ext cx="3820488" cy="4525963"/>
+          </a:xfrm>
+        </p:spPr>
+        <p:txBody>
+          <a:bodyPr>
+            <a:normAutofit/>
+          </a:bodyPr>
+          <a:lstStyle/>
+          <a:p>
+            <a:r>
+              <a:rPr lang="en-US" sz="2000" dirty="0" smtClean="0"/>
+              <a:t>Senior Researcher, e-Science, Oxford University</a:t>
+            </a:r>
+          </a:p>
+          <a:p>
+            <a:r>
+              <a:rPr lang="en-US" sz="2000" dirty="0" smtClean="0"/>
+              <a:t>Founding Member, Data Science Institute, Imperial</a:t>
+            </a:r>
+          </a:p>
+          <a:p>
+            <a:r>
+              <a:rPr lang="en-US" sz="2000" dirty="0" smtClean="0"/>
+              <a:t>PhD, Reading University, 2010 </a:t>
+            </a:r>
+          </a:p>
+          <a:p>
+            <a:r>
+              <a:rPr lang="en-US" sz="2000" dirty="0" smtClean="0"/>
+              <a:t>Awarded University of Oxford Teaching Award, 2016</a:t>
+            </a:r>
+          </a:p>
+          <a:p>
+            <a:endParaRPr lang="en-US" sz="2000" dirty="0"/>
+          </a:p>
+        </p:txBody>
+      </p:sp>
+      <p:pic>
+        <p:nvPicPr>
+          <p:cNvPr id="7" name="Picture 6"/>
+          <p:cNvPicPr>
+            <a:picLocks noChangeAspect="1"/>
+          </p:cNvPicPr>
+          <p:nvPr/>
+        </p:nvPicPr>
+        <p:blipFill>
+          <a:blip r:embed="rId2"/>
+          <a:stretch>
+            <a:fillRect/>
+          </a:stretch>
+        </p:blipFill>
+        <p:spPr>
+          <a:xfrm>
+            <a:off x="5764299" y="1293117"/>
+            <a:ext cx="2411994" cy="5257800"/>
+          </a:xfrm>
+          <a:prstGeom prst="rect">
+            <a:avLst/>
+          </a:prstGeom>
+        </p:spPr>
+      </p:pic>
+    </p:spTree>
+    <p:extLst>
+      <p:ext uri="{BB962C8B-B14F-4D97-AF65-F5344CB8AC3E}">
+        <p14:creationId xmlns:p14="http://schemas.microsoft.com/office/powerpoint/2010/main" val="3255939023"/>
+      </p:ext>
+    </p:extLst>
+  </p:cSld>
+  <p:clrMapOvr>
+    <a:masterClrMapping/>
+  </p:clrMapOvr>
+</p:sld>
+</file>
+
+<file path=ppt/slides/slide16.xml><?xml version="1.0" encoding="utf-8"?>
+<p:sld xmlns:a="http://schemas.openxmlformats.org/drawingml/2006/main" xmlns:r="http://schemas.openxmlformats.org/officeDocument/2006/relationships" xmlns:p="http://schemas.openxmlformats.org/presentationml/2006/main">
+  <p:cSld>
+    <p:spTree>
+      <p:nvGrpSpPr>
+        <p:cNvPr id="1" name=""/>
+        <p:cNvGrpSpPr/>
+        <p:nvPr/>
+      </p:nvGrpSpPr>
+      <p:grpSpPr>
+        <a:xfrm>
+          <a:off x="0" y="0"/>
+          <a:ext cx="0" cy="0"/>
+          <a:chOff x="0" y="0"/>
+          <a:chExt cx="0" cy="0"/>
+        </a:xfrm>
+      </p:grpSpPr>
+      <p:sp>
+        <p:nvSpPr>
+          <p:cNvPr id="2" name="Title 1"/>
+          <p:cNvSpPr>
+            <a:spLocks noGrp="1"/>
+          </p:cNvSpPr>
+          <p:nvPr>
+            <p:ph type="title"/>
+          </p:nvPr>
+        </p:nvSpPr>
+        <p:spPr/>
+        <p:txBody>
+          <a:bodyPr/>
+          <a:lstStyle/>
+          <a:p>
+            <a:r>
+              <a:rPr lang="en-US" dirty="0" smtClean="0"/>
               <a:t>You?</a:t>
             </a:r>
             <a:endParaRPr lang="en-US" dirty="0"/>
@@ -4959,7 +5028,7 @@
 </p:sld>
 </file>
 
-<file path=ppt/slides/slide16.xml><?xml version="1.0" encoding="utf-8"?>
+<file path=ppt/slides/slide17.xml><?xml version="1.0" encoding="utf-8"?>
 <p:sld xmlns:a="http://schemas.openxmlformats.org/drawingml/2006/main" xmlns:r="http://schemas.openxmlformats.org/officeDocument/2006/relationships" xmlns:p="http://schemas.openxmlformats.org/presentationml/2006/main">
   <p:cSld>
     <p:spTree>
@@ -5024,6 +5093,157 @@
               </a:rPr>
               <a:t>Approximate Schedule</a:t>
             </a:r>
+          </a:p>
+        </p:txBody>
+      </p:sp>
+      <p:sp>
+        <p:nvSpPr>
+          <p:cNvPr id="2" name="Content Placeholder 1"/>
+          <p:cNvSpPr>
+            <a:spLocks noGrp="1"/>
+          </p:cNvSpPr>
+          <p:nvPr>
+            <p:ph sz="half" idx="1"/>
+          </p:nvPr>
+        </p:nvSpPr>
+        <p:spPr/>
+        <p:txBody>
+          <a:bodyPr>
+            <a:normAutofit/>
+          </a:bodyPr>
+          <a:lstStyle/>
+          <a:p>
+            <a:r>
+              <a:rPr lang="en-US" sz="2000" dirty="0" smtClean="0"/>
+              <a:t>Weds</a:t>
+            </a:r>
+          </a:p>
+          <a:p>
+            <a:pPr lvl="1"/>
+            <a:r>
+              <a:rPr lang="en-US" sz="1800" dirty="0" smtClean="0"/>
+              <a:t>Introductions</a:t>
+            </a:r>
+          </a:p>
+          <a:p>
+            <a:pPr lvl="1"/>
+            <a:r>
+              <a:rPr lang="en-US" sz="1800" dirty="0" smtClean="0"/>
+              <a:t>Overview and Motivation</a:t>
+            </a:r>
+          </a:p>
+          <a:p>
+            <a:pPr lvl="1"/>
+            <a:r>
+              <a:rPr lang="en-US" sz="1800" dirty="0" smtClean="0"/>
+              <a:t>Data Analysis with Python and Pandas</a:t>
+            </a:r>
+          </a:p>
+          <a:p>
+            <a:pPr lvl="1"/>
+            <a:r>
+              <a:rPr lang="en-US" sz="1800" dirty="0" smtClean="0"/>
+              <a:t>Map Reduce</a:t>
+            </a:r>
+          </a:p>
+          <a:p>
+            <a:pPr lvl="1"/>
+            <a:r>
+              <a:rPr lang="en-US" sz="1800" dirty="0" smtClean="0"/>
+              <a:t>Apache Spark</a:t>
+            </a:r>
+          </a:p>
+          <a:p>
+            <a:r>
+              <a:rPr lang="en-US" sz="2000" dirty="0" smtClean="0"/>
+              <a:t>Thursday</a:t>
+            </a:r>
+          </a:p>
+          <a:p>
+            <a:pPr lvl="1"/>
+            <a:r>
+              <a:rPr lang="en-US" sz="1800" dirty="0" smtClean="0"/>
+              <a:t>SQL</a:t>
+            </a:r>
+          </a:p>
+          <a:p>
+            <a:pPr lvl="1"/>
+            <a:r>
+              <a:rPr lang="en-US" sz="1800" dirty="0" smtClean="0"/>
+              <a:t>Theoretical background on scaling systems</a:t>
+            </a:r>
+          </a:p>
+          <a:p>
+            <a:pPr lvl="1"/>
+            <a:r>
+              <a:rPr lang="en-US" sz="1800" dirty="0" smtClean="0"/>
+              <a:t>Scaling Spark on AWS</a:t>
+            </a:r>
+          </a:p>
+          <a:p>
+            <a:pPr lvl="1"/>
+            <a:r>
+              <a:rPr lang="en-US" sz="1800" dirty="0" err="1" smtClean="0"/>
+              <a:t>Visualisation</a:t>
+            </a:r>
+            <a:endParaRPr lang="en-US" sz="1800" dirty="0"/>
+          </a:p>
+        </p:txBody>
+      </p:sp>
+      <p:sp>
+        <p:nvSpPr>
+          <p:cNvPr id="3" name="Content Placeholder 2"/>
+          <p:cNvSpPr>
+            <a:spLocks noGrp="1"/>
+          </p:cNvSpPr>
+          <p:nvPr>
+            <p:ph sz="half" idx="2"/>
+          </p:nvPr>
+        </p:nvSpPr>
+        <p:spPr/>
+        <p:txBody>
+          <a:bodyPr>
+            <a:normAutofit/>
+          </a:bodyPr>
+          <a:lstStyle/>
+          <a:p>
+            <a:r>
+              <a:rPr lang="en-US" sz="2000" dirty="0" smtClean="0"/>
+              <a:t>Friday</a:t>
+            </a:r>
+          </a:p>
+          <a:p>
+            <a:pPr lvl="1"/>
+            <a:r>
+              <a:rPr lang="en-US" sz="1800" dirty="0" smtClean="0"/>
+              <a:t>Introduction to Machine Learning</a:t>
+            </a:r>
+          </a:p>
+          <a:p>
+            <a:pPr lvl="1"/>
+            <a:r>
+              <a:rPr lang="en-US" sz="1800" dirty="0" err="1" smtClean="0"/>
+              <a:t>Realtime</a:t>
+            </a:r>
+            <a:r>
+              <a:rPr lang="en-US" sz="1800" dirty="0" smtClean="0"/>
+              <a:t> systems</a:t>
+            </a:r>
+          </a:p>
+          <a:p>
+            <a:pPr lvl="1"/>
+            <a:r>
+              <a:rPr lang="en-US" sz="1800" dirty="0" smtClean="0"/>
+              <a:t>Architecting big data systems</a:t>
+            </a:r>
+          </a:p>
+          <a:p>
+            <a:pPr lvl="1"/>
+            <a:r>
+              <a:rPr lang="en-US" sz="1800" dirty="0" smtClean="0"/>
+              <a:t>Completion of labs</a:t>
+            </a:r>
+            <a:endParaRPr lang="en-US" sz="1800" dirty="0"/>
           </a:p>
         </p:txBody>
       </p:sp>
@@ -5055,7 +5275,7 @@
 </p:sld>
 </file>
 
-<file path=ppt/slides/slide17.xml><?xml version="1.0" encoding="utf-8"?>
+<file path=ppt/slides/slide18.xml><?xml version="1.0" encoding="utf-8"?>
 <p:sld xmlns:a="http://schemas.openxmlformats.org/drawingml/2006/main" xmlns:r="http://schemas.openxmlformats.org/officeDocument/2006/relationships" xmlns:p="http://schemas.openxmlformats.org/presentationml/2006/main">
   <p:cSld>
     <p:spTree>
@@ -6053,21 +6273,8 @@
             <a:pPr lvl="2"/>
             <a:r>
               <a:rPr lang="en-US" dirty="0" smtClean="0"/>
-              <a:t>E.g. Apache </a:t>
-            </a:r>
-            <a:r>
-              <a:rPr lang="en-US" dirty="0" smtClean="0"/>
-              <a:t>Spark</a:t>
-            </a:r>
-            <a:r>
-              <a:rPr lang="en-US" dirty="0" smtClean="0"/>
-              <a:t>, </a:t>
-            </a:r>
-            <a:r>
-              <a:rPr lang="en-US" dirty="0" smtClean="0"/>
-              <a:t>Cassandra, Python</a:t>
-            </a:r>
-            <a:endParaRPr lang="en-US" dirty="0" smtClean="0"/>
+              <a:t>E.g. Apache Spark, Cassandra, Python</a:t>
+            </a:r>
           </a:p>
           <a:p>
             <a:r>
@@ -6418,14 +6625,7 @@
                 <a:ea typeface="ヒラギノ角ゴ ProN W3" charset="0"/>
                 <a:cs typeface="ヒラギノ角ゴ ProN W3" charset="0"/>
               </a:rPr>
-              <a:t>Spark</a:t>
-            </a:r>
-            <a:r>
-              <a:rPr lang="en-US" dirty="0" smtClean="0">
-                <a:ea typeface="ヒラギノ角ゴ ProN W3" charset="0"/>
-                <a:cs typeface="ヒラギノ角ゴ ProN W3" charset="0"/>
-              </a:rPr>
-              <a:t>, </a:t>
+              <a:t>Spark, </a:t>
             </a:r>
             <a:r>
               <a:rPr lang="en-US" dirty="0" err="1" smtClean="0">
@@ -6456,14 +6656,7 @@
                 <a:ea typeface="ヒラギノ角ゴ ProN W3" charset="0"/>
                 <a:cs typeface="ヒラギノ角ゴ ProN W3" charset="0"/>
               </a:rPr>
-              <a:t>Cassandra </a:t>
-            </a:r>
-            <a:r>
-              <a:rPr lang="en-US" dirty="0" smtClean="0">
-                <a:ea typeface="ヒラギノ角ゴ ProN W3" charset="0"/>
-                <a:cs typeface="ヒラギノ角ゴ ProN W3" charset="0"/>
-              </a:rPr>
-              <a:t>and </a:t>
+              <a:t>Cassandra and </a:t>
             </a:r>
             <a:r>
               <a:rPr lang="en-US" dirty="0" err="1" smtClean="0">

--- a/pres-source/00-intro.pptx
+++ b/pres-source/00-intro.pptx
@@ -4730,14 +4730,7 @@
                 <a:ea typeface="ヒラギノ角ゴ ProN W3" charset="0"/>
                 <a:cs typeface="ヒラギノ角ゴ ProN W3" charset="0"/>
               </a:rPr>
-              <a:t>PhD </a:t>
-            </a:r>
-            <a:r>
-              <a:rPr lang="en-US" sz="2000" dirty="0" smtClean="0">
-                <a:ea typeface="ヒラギノ角ゴ ProN W3" charset="0"/>
-                <a:cs typeface="ヒラギノ角ゴ ProN W3" charset="0"/>
-              </a:rPr>
-              <a:t>in Computing (2017)</a:t>
+              <a:t>PhD in Computing (2017)</a:t>
             </a:r>
           </a:p>
           <a:p>
